--- a/Itérations/Présentation IT3.pptx
+++ b/Itérations/Présentation IT3.pptx
@@ -5,14 +5,20 @@
     <p:sldMasterId id="2147483665" r:id="rId1"/>
   </p:sldMasterIdLst>
   <p:notesMasterIdLst>
-    <p:notesMasterId r:id="rId7"/>
+    <p:notesMasterId r:id="rId13"/>
   </p:notesMasterIdLst>
   <p:sldIdLst>
     <p:sldId id="256" r:id="rId2"/>
-    <p:sldId id="257" r:id="rId3"/>
-    <p:sldId id="266" r:id="rId4"/>
-    <p:sldId id="265" r:id="rId5"/>
-    <p:sldId id="264" r:id="rId6"/>
+    <p:sldId id="267" r:id="rId3"/>
+    <p:sldId id="257" r:id="rId4"/>
+    <p:sldId id="266" r:id="rId5"/>
+    <p:sldId id="265" r:id="rId6"/>
+    <p:sldId id="268" r:id="rId7"/>
+    <p:sldId id="269" r:id="rId8"/>
+    <p:sldId id="270" r:id="rId9"/>
+    <p:sldId id="271" r:id="rId10"/>
+    <p:sldId id="272" r:id="rId11"/>
+    <p:sldId id="264" r:id="rId12"/>
   </p:sldIdLst>
   <p:sldSz cx="10080625" cy="7559675"/>
   <p:notesSz cx="7772400" cy="10058400"/>
@@ -518,6 +524,20 @@
           <a:bodyPr/>
           <a:lstStyle/>
           <a:p>
+            <a:r>
+              <a:rPr lang="fr-FR" dirty="0" smtClean="0"/>
+              <a:t>Thibaud</a:t>
+            </a:r>
+          </a:p>
+          <a:p>
+            <a:r>
+              <a:rPr lang="fr-FR" dirty="0" smtClean="0"/>
+              <a:t>Présentation</a:t>
+            </a:r>
+            <a:r>
+              <a:rPr lang="fr-FR" baseline="0" dirty="0" smtClean="0"/>
+              <a:t> de l’équipe</a:t>
+            </a:r>
             <a:endParaRPr lang="fr-FR" dirty="0"/>
           </a:p>
         </p:txBody>
@@ -549,6 +569,215 @@
     <p:extLst>
       <p:ext uri="{BB962C8B-B14F-4D97-AF65-F5344CB8AC3E}">
         <p14:creationId xmlns:p14="http://schemas.microsoft.com/office/powerpoint/2010/main" val="2599254867"/>
+      </p:ext>
+    </p:extLst>
+  </p:cSld>
+  <p:clrMapOvr>
+    <a:masterClrMapping/>
+  </p:clrMapOvr>
+</p:notes>
+</file>
+
+<file path=ppt/notesSlides/notesSlide10.xml><?xml version="1.0" encoding="utf-8"?>
+<p:notes xmlns:a="http://schemas.openxmlformats.org/drawingml/2006/main" xmlns:r="http://schemas.openxmlformats.org/officeDocument/2006/relationships" xmlns:p="http://schemas.openxmlformats.org/presentationml/2006/main">
+  <p:cSld>
+    <p:spTree>
+      <p:nvGrpSpPr>
+        <p:cNvPr id="1" name=""/>
+        <p:cNvGrpSpPr/>
+        <p:nvPr/>
+      </p:nvGrpSpPr>
+      <p:grpSpPr>
+        <a:xfrm>
+          <a:off x="0" y="0"/>
+          <a:ext cx="0" cy="0"/>
+          <a:chOff x="0" y="0"/>
+          <a:chExt cx="0" cy="0"/>
+        </a:xfrm>
+      </p:grpSpPr>
+      <p:sp>
+        <p:nvSpPr>
+          <p:cNvPr id="2" name="Espace réservé de l'image des diapositives 1"/>
+          <p:cNvSpPr>
+            <a:spLocks noGrp="1" noRot="1" noChangeAspect="1"/>
+          </p:cNvSpPr>
+          <p:nvPr>
+            <p:ph type="sldImg"/>
+          </p:nvPr>
+        </p:nvSpPr>
+        <p:spPr/>
+      </p:sp>
+      <p:sp>
+        <p:nvSpPr>
+          <p:cNvPr id="3" name="Espace réservé des commentaires 2"/>
+          <p:cNvSpPr>
+            <a:spLocks noGrp="1"/>
+          </p:cNvSpPr>
+          <p:nvPr>
+            <p:ph type="body" idx="1"/>
+          </p:nvPr>
+        </p:nvSpPr>
+        <p:spPr/>
+        <p:txBody>
+          <a:bodyPr/>
+          <a:lstStyle/>
+          <a:p>
+            <a:r>
+              <a:rPr lang="fr-FR" dirty="0" smtClean="0"/>
+              <a:t>Thibaud</a:t>
+            </a:r>
+          </a:p>
+          <a:p>
+            <a:r>
+              <a:rPr lang="fr-FR" dirty="0" err="1" smtClean="0"/>
+              <a:t>Trello</a:t>
+            </a:r>
+            <a:r>
+              <a:rPr lang="fr-FR" baseline="0" dirty="0" smtClean="0"/>
+              <a:t> mis à jour régulièrement par tous les membres de l’équipe</a:t>
+            </a:r>
+          </a:p>
+          <a:p>
+            <a:r>
+              <a:rPr lang="fr-FR" baseline="0" dirty="0" smtClean="0"/>
+              <a:t>Repo git à jour : version stable du site sur la </a:t>
+            </a:r>
+            <a:r>
+              <a:rPr lang="fr-FR" baseline="0" smtClean="0"/>
+              <a:t>branche master</a:t>
+            </a:r>
+          </a:p>
+          <a:p>
+            <a:endParaRPr lang="fr-FR" baseline="0" dirty="0" smtClean="0"/>
+          </a:p>
+          <a:p>
+            <a:r>
+              <a:rPr lang="fr-FR" baseline="0" dirty="0" smtClean="0"/>
+              <a:t>Présentation de l’animation des </a:t>
+            </a:r>
+            <a:r>
+              <a:rPr lang="fr-FR" baseline="0" dirty="0" err="1" smtClean="0"/>
+              <a:t>commits</a:t>
+            </a:r>
+            <a:endParaRPr lang="fr-FR" dirty="0"/>
+          </a:p>
+        </p:txBody>
+      </p:sp>
+      <p:sp>
+        <p:nvSpPr>
+          <p:cNvPr id="4" name="Espace réservé du numéro de diapositive 3"/>
+          <p:cNvSpPr>
+            <a:spLocks noGrp="1"/>
+          </p:cNvSpPr>
+          <p:nvPr>
+            <p:ph type="sldNum" sz="quarter" idx="10"/>
+          </p:nvPr>
+        </p:nvSpPr>
+        <p:spPr/>
+        <p:txBody>
+          <a:bodyPr/>
+          <a:lstStyle/>
+          <a:p>
+            <a:fld id="{96A8DA0A-CDAF-4731-95C9-68D0B5CD43CA}" type="slidenum">
+              <a:rPr lang="fr-FR" smtClean="0"/>
+              <a:t>10</a:t>
+            </a:fld>
+            <a:endParaRPr lang="fr-FR"/>
+          </a:p>
+        </p:txBody>
+      </p:sp>
+    </p:spTree>
+    <p:extLst>
+      <p:ext uri="{BB962C8B-B14F-4D97-AF65-F5344CB8AC3E}">
+        <p14:creationId xmlns:p14="http://schemas.microsoft.com/office/powerpoint/2010/main" val="371221376"/>
+      </p:ext>
+    </p:extLst>
+  </p:cSld>
+  <p:clrMapOvr>
+    <a:masterClrMapping/>
+  </p:clrMapOvr>
+</p:notes>
+</file>
+
+<file path=ppt/notesSlides/notesSlide11.xml><?xml version="1.0" encoding="utf-8"?>
+<p:notes xmlns:a="http://schemas.openxmlformats.org/drawingml/2006/main" xmlns:r="http://schemas.openxmlformats.org/officeDocument/2006/relationships" xmlns:p="http://schemas.openxmlformats.org/presentationml/2006/main">
+  <p:cSld>
+    <p:spTree>
+      <p:nvGrpSpPr>
+        <p:cNvPr id="1" name=""/>
+        <p:cNvGrpSpPr/>
+        <p:nvPr/>
+      </p:nvGrpSpPr>
+      <p:grpSpPr>
+        <a:xfrm>
+          <a:off x="0" y="0"/>
+          <a:ext cx="0" cy="0"/>
+          <a:chOff x="0" y="0"/>
+          <a:chExt cx="0" cy="0"/>
+        </a:xfrm>
+      </p:grpSpPr>
+      <p:sp>
+        <p:nvSpPr>
+          <p:cNvPr id="2" name="Espace réservé de l'image des diapositives 1"/>
+          <p:cNvSpPr>
+            <a:spLocks noGrp="1" noRot="1" noChangeAspect="1"/>
+          </p:cNvSpPr>
+          <p:nvPr>
+            <p:ph type="sldImg"/>
+          </p:nvPr>
+        </p:nvSpPr>
+        <p:spPr/>
+      </p:sp>
+      <p:sp>
+        <p:nvSpPr>
+          <p:cNvPr id="3" name="Espace réservé des notes 2"/>
+          <p:cNvSpPr>
+            <a:spLocks noGrp="1"/>
+          </p:cNvSpPr>
+          <p:nvPr>
+            <p:ph type="body" idx="1"/>
+          </p:nvPr>
+        </p:nvSpPr>
+        <p:spPr/>
+        <p:txBody>
+          <a:bodyPr/>
+          <a:lstStyle/>
+          <a:p>
+            <a:r>
+              <a:rPr lang="fr-FR" dirty="0" smtClean="0"/>
+              <a:t>Thibaud</a:t>
+            </a:r>
+            <a:endParaRPr lang="fr-FR" dirty="0"/>
+          </a:p>
+        </p:txBody>
+      </p:sp>
+      <p:sp>
+        <p:nvSpPr>
+          <p:cNvPr id="4" name="Espace réservé du numéro de diapositive 3"/>
+          <p:cNvSpPr>
+            <a:spLocks noGrp="1"/>
+          </p:cNvSpPr>
+          <p:nvPr>
+            <p:ph type="sldNum" sz="quarter" idx="10"/>
+          </p:nvPr>
+        </p:nvSpPr>
+        <p:spPr/>
+        <p:txBody>
+          <a:bodyPr/>
+          <a:lstStyle/>
+          <a:p>
+            <a:fld id="{96A8DA0A-CDAF-4731-95C9-68D0B5CD43CA}" type="slidenum">
+              <a:rPr lang="fr-FR" smtClean="0"/>
+              <a:t>11</a:t>
+            </a:fld>
+            <a:endParaRPr lang="fr-FR"/>
+          </a:p>
+        </p:txBody>
+      </p:sp>
+    </p:spTree>
+    <p:extLst>
+      <p:ext uri="{BB962C8B-B14F-4D97-AF65-F5344CB8AC3E}">
+        <p14:creationId xmlns:p14="http://schemas.microsoft.com/office/powerpoint/2010/main" val="769243214"/>
       </p:ext>
     </p:extLst>
   </p:cSld>
@@ -589,7 +818,7 @@
       </p:sp>
       <p:sp>
         <p:nvSpPr>
-          <p:cNvPr id="3" name="Espace réservé des notes 2"/>
+          <p:cNvPr id="3" name="Espace réservé des commentaires 2"/>
           <p:cNvSpPr>
             <a:spLocks noGrp="1"/>
           </p:cNvSpPr>
@@ -602,7 +831,16 @@
           <a:bodyPr/>
           <a:lstStyle/>
           <a:p>
-            <a:endParaRPr lang="fr-FR" dirty="0"/>
+            <a:r>
+              <a:rPr lang="fr-FR" dirty="0" smtClean="0"/>
+              <a:t>Thibaud</a:t>
+            </a:r>
+          </a:p>
+          <a:p>
+            <a:r>
+              <a:rPr lang="fr-FR" dirty="0" smtClean="0"/>
+              <a:t>Mission</a:t>
+            </a:r>
           </a:p>
         </p:txBody>
       </p:sp>
@@ -632,7 +870,7 @@
     </p:spTree>
     <p:extLst>
       <p:ext uri="{BB962C8B-B14F-4D97-AF65-F5344CB8AC3E}">
-        <p14:creationId xmlns:p14="http://schemas.microsoft.com/office/powerpoint/2010/main" val="1611674354"/>
+        <p14:creationId xmlns:p14="http://schemas.microsoft.com/office/powerpoint/2010/main" val="1285674267"/>
       </p:ext>
     </p:extLst>
   </p:cSld>
@@ -686,6 +924,16 @@
           <a:bodyPr/>
           <a:lstStyle/>
           <a:p>
+            <a:r>
+              <a:rPr lang="fr-FR" dirty="0" smtClean="0"/>
+              <a:t>Antonin</a:t>
+            </a:r>
+          </a:p>
+          <a:p>
+            <a:r>
+              <a:rPr lang="fr-FR" dirty="0" smtClean="0"/>
+              <a:t>Objectifs</a:t>
+            </a:r>
             <a:endParaRPr lang="fr-FR" dirty="0"/>
           </a:p>
         </p:txBody>
@@ -707,7 +955,7 @@
           <a:p>
             <a:fld id="{96A8DA0A-CDAF-4731-95C9-68D0B5CD43CA}" type="slidenum">
               <a:rPr lang="fr-FR" smtClean="0"/>
-              <a:t>4</a:t>
+              <a:t>3</a:t>
             </a:fld>
             <a:endParaRPr lang="fr-FR"/>
           </a:p>
@@ -716,7 +964,7 @@
     </p:spTree>
     <p:extLst>
       <p:ext uri="{BB962C8B-B14F-4D97-AF65-F5344CB8AC3E}">
-        <p14:creationId xmlns:p14="http://schemas.microsoft.com/office/powerpoint/2010/main" val="1912653631"/>
+        <p14:creationId xmlns:p14="http://schemas.microsoft.com/office/powerpoint/2010/main" val="1611674354"/>
       </p:ext>
     </p:extLst>
   </p:cSld>
@@ -757,6 +1005,152 @@
       </p:sp>
       <p:sp>
         <p:nvSpPr>
+          <p:cNvPr id="3" name="Espace réservé des commentaires 2"/>
+          <p:cNvSpPr>
+            <a:spLocks noGrp="1"/>
+          </p:cNvSpPr>
+          <p:nvPr>
+            <p:ph type="body" idx="1"/>
+          </p:nvPr>
+        </p:nvSpPr>
+        <p:spPr/>
+        <p:txBody>
+          <a:bodyPr/>
+          <a:lstStyle/>
+          <a:p>
+            <a:r>
+              <a:rPr lang="fr-FR" dirty="0" smtClean="0"/>
+              <a:t>1 – CONNEXION AVEC GITHUB</a:t>
+            </a:r>
+          </a:p>
+          <a:p>
+            <a:r>
+              <a:rPr lang="fr-FR" dirty="0" smtClean="0"/>
+              <a:t>2</a:t>
+            </a:r>
+            <a:r>
+              <a:rPr lang="fr-FR" baseline="0" dirty="0" smtClean="0"/>
+              <a:t> – RECHERCHE DU PACKAGE NUNIT</a:t>
+            </a:r>
+          </a:p>
+          <a:p>
+            <a:r>
+              <a:rPr lang="fr-FR" baseline="0" dirty="0" smtClean="0"/>
+              <a:t>3 – PRESENTER LA PAGE DU PACKAGE</a:t>
+            </a:r>
+          </a:p>
+          <a:p>
+            <a:r>
+              <a:rPr lang="fr-FR" baseline="0" dirty="0" smtClean="0"/>
+              <a:t>4 – AFFICHER LE GRAPHE ET LES PROBLEMES</a:t>
+            </a:r>
+          </a:p>
+          <a:p>
+            <a:r>
+              <a:rPr lang="fr-FR" baseline="0" dirty="0" smtClean="0"/>
+              <a:t>5 – CHANGER DE VERSION</a:t>
+            </a:r>
+          </a:p>
+          <a:p>
+            <a:r>
+              <a:rPr lang="fr-FR" baseline="0" dirty="0" smtClean="0"/>
+              <a:t>6 – REAFFICHER LE GRAPHE</a:t>
+            </a:r>
+          </a:p>
+          <a:p>
+            <a:r>
+              <a:rPr lang="fr-FR" baseline="0" dirty="0" smtClean="0"/>
+              <a:t>7 – AJOUTER LE PACKAGE EN FAVORI</a:t>
+            </a:r>
+          </a:p>
+          <a:p>
+            <a:r>
+              <a:rPr lang="fr-FR" baseline="0" dirty="0" smtClean="0"/>
+              <a:t>8 – ALLER SUR LA PAGE DES FAVORIS</a:t>
+            </a:r>
+          </a:p>
+          <a:p>
+            <a:r>
+              <a:rPr lang="fr-FR" baseline="0" dirty="0" smtClean="0"/>
+              <a:t>9 – CLIQUER SUR LE FAVORI ET MONTRER QU’ON REVIENT BIEN SUR LE PACKAGE</a:t>
+            </a:r>
+          </a:p>
+          <a:p>
+            <a:r>
+              <a:rPr lang="fr-FR" baseline="0" dirty="0" smtClean="0"/>
+              <a:t>10 – SE DECONNECTER</a:t>
+            </a:r>
+            <a:endParaRPr lang="fr-FR" dirty="0"/>
+          </a:p>
+        </p:txBody>
+      </p:sp>
+      <p:sp>
+        <p:nvSpPr>
+          <p:cNvPr id="4" name="Espace réservé du numéro de diapositive 3"/>
+          <p:cNvSpPr>
+            <a:spLocks noGrp="1"/>
+          </p:cNvSpPr>
+          <p:nvPr>
+            <p:ph type="sldNum" sz="quarter" idx="10"/>
+          </p:nvPr>
+        </p:nvSpPr>
+        <p:spPr/>
+        <p:txBody>
+          <a:bodyPr/>
+          <a:lstStyle/>
+          <a:p>
+            <a:fld id="{96A8DA0A-CDAF-4731-95C9-68D0B5CD43CA}" type="slidenum">
+              <a:rPr lang="fr-FR" smtClean="0"/>
+              <a:t>4</a:t>
+            </a:fld>
+            <a:endParaRPr lang="fr-FR"/>
+          </a:p>
+        </p:txBody>
+      </p:sp>
+    </p:spTree>
+    <p:extLst>
+      <p:ext uri="{BB962C8B-B14F-4D97-AF65-F5344CB8AC3E}">
+        <p14:creationId xmlns:p14="http://schemas.microsoft.com/office/powerpoint/2010/main" val="2249408190"/>
+      </p:ext>
+    </p:extLst>
+  </p:cSld>
+  <p:clrMapOvr>
+    <a:masterClrMapping/>
+  </p:clrMapOvr>
+</p:notes>
+</file>
+
+<file path=ppt/notesSlides/notesSlide5.xml><?xml version="1.0" encoding="utf-8"?>
+<p:notes xmlns:a="http://schemas.openxmlformats.org/drawingml/2006/main" xmlns:r="http://schemas.openxmlformats.org/officeDocument/2006/relationships" xmlns:p="http://schemas.openxmlformats.org/presentationml/2006/main">
+  <p:cSld>
+    <p:spTree>
+      <p:nvGrpSpPr>
+        <p:cNvPr id="1" name=""/>
+        <p:cNvGrpSpPr/>
+        <p:nvPr/>
+      </p:nvGrpSpPr>
+      <p:grpSpPr>
+        <a:xfrm>
+          <a:off x="0" y="0"/>
+          <a:ext cx="0" cy="0"/>
+          <a:chOff x="0" y="0"/>
+          <a:chExt cx="0" cy="0"/>
+        </a:xfrm>
+      </p:grpSpPr>
+      <p:sp>
+        <p:nvSpPr>
+          <p:cNvPr id="2" name="Espace réservé de l'image des diapositives 1"/>
+          <p:cNvSpPr>
+            <a:spLocks noGrp="1" noRot="1" noChangeAspect="1"/>
+          </p:cNvSpPr>
+          <p:nvPr>
+            <p:ph type="sldImg"/>
+          </p:nvPr>
+        </p:nvSpPr>
+        <p:spPr/>
+      </p:sp>
+      <p:sp>
+        <p:nvSpPr>
           <p:cNvPr id="3" name="Espace réservé des notes 2"/>
           <p:cNvSpPr>
             <a:spLocks noGrp="1"/>
@@ -770,6 +1164,26 @@
           <a:bodyPr/>
           <a:lstStyle/>
           <a:p>
+            <a:r>
+              <a:rPr lang="fr-FR" dirty="0" smtClean="0"/>
+              <a:t>Léo</a:t>
+            </a:r>
+          </a:p>
+          <a:p>
+            <a:r>
+              <a:rPr lang="fr-FR" dirty="0" smtClean="0"/>
+              <a:t>Création</a:t>
+            </a:r>
+            <a:r>
+              <a:rPr lang="fr-FR" baseline="0" dirty="0" smtClean="0"/>
+              <a:t> d’une SPA, front end en Vue.js</a:t>
+            </a:r>
+          </a:p>
+          <a:p>
+            <a:r>
+              <a:rPr lang="fr-FR" baseline="0" dirty="0" smtClean="0"/>
+              <a:t>Graphe de dépendances</a:t>
+            </a:r>
             <a:endParaRPr lang="fr-FR" dirty="0"/>
           </a:p>
         </p:txBody>
@@ -800,7 +1214,411 @@
     </p:spTree>
     <p:extLst>
       <p:ext uri="{BB962C8B-B14F-4D97-AF65-F5344CB8AC3E}">
-        <p14:creationId xmlns:p14="http://schemas.microsoft.com/office/powerpoint/2010/main" val="769243214"/>
+        <p14:creationId xmlns:p14="http://schemas.microsoft.com/office/powerpoint/2010/main" val="1912653631"/>
+      </p:ext>
+    </p:extLst>
+  </p:cSld>
+  <p:clrMapOvr>
+    <a:masterClrMapping/>
+  </p:clrMapOvr>
+</p:notes>
+</file>
+
+<file path=ppt/notesSlides/notesSlide6.xml><?xml version="1.0" encoding="utf-8"?>
+<p:notes xmlns:a="http://schemas.openxmlformats.org/drawingml/2006/main" xmlns:r="http://schemas.openxmlformats.org/officeDocument/2006/relationships" xmlns:p="http://schemas.openxmlformats.org/presentationml/2006/main">
+  <p:cSld>
+    <p:spTree>
+      <p:nvGrpSpPr>
+        <p:cNvPr id="1" name=""/>
+        <p:cNvGrpSpPr/>
+        <p:nvPr/>
+      </p:nvGrpSpPr>
+      <p:grpSpPr>
+        <a:xfrm>
+          <a:off x="0" y="0"/>
+          <a:ext cx="0" cy="0"/>
+          <a:chOff x="0" y="0"/>
+          <a:chExt cx="0" cy="0"/>
+        </a:xfrm>
+      </p:grpSpPr>
+      <p:sp>
+        <p:nvSpPr>
+          <p:cNvPr id="2" name="Espace réservé de l'image des diapositives 1"/>
+          <p:cNvSpPr>
+            <a:spLocks noGrp="1" noRot="1" noChangeAspect="1"/>
+          </p:cNvSpPr>
+          <p:nvPr>
+            <p:ph type="sldImg"/>
+          </p:nvPr>
+        </p:nvSpPr>
+        <p:spPr/>
+      </p:sp>
+      <p:sp>
+        <p:nvSpPr>
+          <p:cNvPr id="3" name="Espace réservé des notes 2"/>
+          <p:cNvSpPr>
+            <a:spLocks noGrp="1"/>
+          </p:cNvSpPr>
+          <p:nvPr>
+            <p:ph type="body" idx="1"/>
+          </p:nvPr>
+        </p:nvSpPr>
+        <p:spPr/>
+        <p:txBody>
+          <a:bodyPr/>
+          <a:lstStyle/>
+          <a:p>
+            <a:r>
+              <a:rPr lang="fr-FR" dirty="0" smtClean="0"/>
+              <a:t>Antonin</a:t>
+            </a:r>
+          </a:p>
+          <a:p>
+            <a:r>
+              <a:rPr lang="fr-FR" dirty="0" smtClean="0"/>
+              <a:t>Nouvelles</a:t>
+            </a:r>
+            <a:r>
+              <a:rPr lang="fr-FR" baseline="0" dirty="0" smtClean="0"/>
+              <a:t> versions disponibles + conflits entre différentes versions d’un même package</a:t>
+            </a:r>
+          </a:p>
+          <a:p>
+            <a:r>
+              <a:rPr lang="fr-FR" baseline="0" dirty="0" smtClean="0"/>
+              <a:t>Changer de version</a:t>
+            </a:r>
+            <a:endParaRPr lang="fr-FR" dirty="0"/>
+          </a:p>
+        </p:txBody>
+      </p:sp>
+      <p:sp>
+        <p:nvSpPr>
+          <p:cNvPr id="4" name="Espace réservé du numéro de diapositive 3"/>
+          <p:cNvSpPr>
+            <a:spLocks noGrp="1"/>
+          </p:cNvSpPr>
+          <p:nvPr>
+            <p:ph type="sldNum" sz="quarter" idx="10"/>
+          </p:nvPr>
+        </p:nvSpPr>
+        <p:spPr/>
+        <p:txBody>
+          <a:bodyPr/>
+          <a:lstStyle/>
+          <a:p>
+            <a:fld id="{96A8DA0A-CDAF-4731-95C9-68D0B5CD43CA}" type="slidenum">
+              <a:rPr lang="fr-FR" smtClean="0"/>
+              <a:t>6</a:t>
+            </a:fld>
+            <a:endParaRPr lang="fr-FR"/>
+          </a:p>
+        </p:txBody>
+      </p:sp>
+    </p:spTree>
+    <p:extLst>
+      <p:ext uri="{BB962C8B-B14F-4D97-AF65-F5344CB8AC3E}">
+        <p14:creationId xmlns:p14="http://schemas.microsoft.com/office/powerpoint/2010/main" val="3669024854"/>
+      </p:ext>
+    </p:extLst>
+  </p:cSld>
+  <p:clrMapOvr>
+    <a:masterClrMapping/>
+  </p:clrMapOvr>
+</p:notes>
+</file>
+
+<file path=ppt/notesSlides/notesSlide7.xml><?xml version="1.0" encoding="utf-8"?>
+<p:notes xmlns:a="http://schemas.openxmlformats.org/drawingml/2006/main" xmlns:r="http://schemas.openxmlformats.org/officeDocument/2006/relationships" xmlns:p="http://schemas.openxmlformats.org/presentationml/2006/main">
+  <p:cSld>
+    <p:spTree>
+      <p:nvGrpSpPr>
+        <p:cNvPr id="1" name=""/>
+        <p:cNvGrpSpPr/>
+        <p:nvPr/>
+      </p:nvGrpSpPr>
+      <p:grpSpPr>
+        <a:xfrm>
+          <a:off x="0" y="0"/>
+          <a:ext cx="0" cy="0"/>
+          <a:chOff x="0" y="0"/>
+          <a:chExt cx="0" cy="0"/>
+        </a:xfrm>
+      </p:grpSpPr>
+      <p:sp>
+        <p:nvSpPr>
+          <p:cNvPr id="2" name="Espace réservé de l'image des diapositives 1"/>
+          <p:cNvSpPr>
+            <a:spLocks noGrp="1" noRot="1" noChangeAspect="1"/>
+          </p:cNvSpPr>
+          <p:nvPr>
+            <p:ph type="sldImg"/>
+          </p:nvPr>
+        </p:nvSpPr>
+        <p:spPr/>
+      </p:sp>
+      <p:sp>
+        <p:nvSpPr>
+          <p:cNvPr id="3" name="Espace réservé des notes 2"/>
+          <p:cNvSpPr>
+            <a:spLocks noGrp="1"/>
+          </p:cNvSpPr>
+          <p:nvPr>
+            <p:ph type="body" idx="1"/>
+          </p:nvPr>
+        </p:nvSpPr>
+        <p:spPr/>
+        <p:txBody>
+          <a:bodyPr/>
+          <a:lstStyle/>
+          <a:p>
+            <a:r>
+              <a:rPr lang="fr-FR" dirty="0" smtClean="0"/>
+              <a:t>Guillaume</a:t>
+            </a:r>
+            <a:r>
+              <a:rPr lang="fr-FR" baseline="0" dirty="0" smtClean="0"/>
+              <a:t> </a:t>
+            </a:r>
+          </a:p>
+          <a:p>
+            <a:r>
+              <a:rPr lang="fr-FR" baseline="0" dirty="0" smtClean="0"/>
+              <a:t>Connexion avec GitHub</a:t>
+            </a:r>
+          </a:p>
+          <a:p>
+            <a:r>
+              <a:rPr lang="fr-FR" baseline="0" dirty="0" smtClean="0"/>
+              <a:t>Page des favoris mais pas les petites diodes de couleur</a:t>
+            </a:r>
+            <a:endParaRPr lang="fr-FR" dirty="0"/>
+          </a:p>
+        </p:txBody>
+      </p:sp>
+      <p:sp>
+        <p:nvSpPr>
+          <p:cNvPr id="4" name="Espace réservé du numéro de diapositive 3"/>
+          <p:cNvSpPr>
+            <a:spLocks noGrp="1"/>
+          </p:cNvSpPr>
+          <p:nvPr>
+            <p:ph type="sldNum" sz="quarter" idx="10"/>
+          </p:nvPr>
+        </p:nvSpPr>
+        <p:spPr/>
+        <p:txBody>
+          <a:bodyPr/>
+          <a:lstStyle/>
+          <a:p>
+            <a:fld id="{96A8DA0A-CDAF-4731-95C9-68D0B5CD43CA}" type="slidenum">
+              <a:rPr lang="fr-FR" smtClean="0"/>
+              <a:t>7</a:t>
+            </a:fld>
+            <a:endParaRPr lang="fr-FR"/>
+          </a:p>
+        </p:txBody>
+      </p:sp>
+    </p:spTree>
+    <p:extLst>
+      <p:ext uri="{BB962C8B-B14F-4D97-AF65-F5344CB8AC3E}">
+        <p14:creationId xmlns:p14="http://schemas.microsoft.com/office/powerpoint/2010/main" val="874574911"/>
+      </p:ext>
+    </p:extLst>
+  </p:cSld>
+  <p:clrMapOvr>
+    <a:masterClrMapping/>
+  </p:clrMapOvr>
+</p:notes>
+</file>
+
+<file path=ppt/notesSlides/notesSlide8.xml><?xml version="1.0" encoding="utf-8"?>
+<p:notes xmlns:a="http://schemas.openxmlformats.org/drawingml/2006/main" xmlns:r="http://schemas.openxmlformats.org/officeDocument/2006/relationships" xmlns:p="http://schemas.openxmlformats.org/presentationml/2006/main">
+  <p:cSld>
+    <p:spTree>
+      <p:nvGrpSpPr>
+        <p:cNvPr id="1" name=""/>
+        <p:cNvGrpSpPr/>
+        <p:nvPr/>
+      </p:nvGrpSpPr>
+      <p:grpSpPr>
+        <a:xfrm>
+          <a:off x="0" y="0"/>
+          <a:ext cx="0" cy="0"/>
+          <a:chOff x="0" y="0"/>
+          <a:chExt cx="0" cy="0"/>
+        </a:xfrm>
+      </p:grpSpPr>
+      <p:sp>
+        <p:nvSpPr>
+          <p:cNvPr id="2" name="Espace réservé de l'image des diapositives 1"/>
+          <p:cNvSpPr>
+            <a:spLocks noGrp="1" noRot="1" noChangeAspect="1"/>
+          </p:cNvSpPr>
+          <p:nvPr>
+            <p:ph type="sldImg"/>
+          </p:nvPr>
+        </p:nvSpPr>
+        <p:spPr/>
+      </p:sp>
+      <p:sp>
+        <p:nvSpPr>
+          <p:cNvPr id="3" name="Espace réservé des commentaires 2"/>
+          <p:cNvSpPr>
+            <a:spLocks noGrp="1"/>
+          </p:cNvSpPr>
+          <p:nvPr>
+            <p:ph type="body" idx="1"/>
+          </p:nvPr>
+        </p:nvSpPr>
+        <p:spPr/>
+        <p:txBody>
+          <a:bodyPr/>
+          <a:lstStyle/>
+          <a:p>
+            <a:r>
+              <a:rPr lang="fr-FR" dirty="0" smtClean="0"/>
+              <a:t>Léo</a:t>
+            </a:r>
+          </a:p>
+          <a:p>
+            <a:r>
+              <a:rPr lang="fr-FR" dirty="0" smtClean="0"/>
+              <a:t>Ce sont les</a:t>
+            </a:r>
+            <a:r>
+              <a:rPr lang="fr-FR" baseline="0" dirty="0" smtClean="0"/>
+              <a:t> choses qu’on avait prévu au départ et que nous n’avons pas pu ajouter</a:t>
+            </a:r>
+            <a:endParaRPr lang="fr-FR" dirty="0"/>
+          </a:p>
+        </p:txBody>
+      </p:sp>
+      <p:sp>
+        <p:nvSpPr>
+          <p:cNvPr id="4" name="Espace réservé du numéro de diapositive 3"/>
+          <p:cNvSpPr>
+            <a:spLocks noGrp="1"/>
+          </p:cNvSpPr>
+          <p:nvPr>
+            <p:ph type="sldNum" sz="quarter" idx="10"/>
+          </p:nvPr>
+        </p:nvSpPr>
+        <p:spPr/>
+        <p:txBody>
+          <a:bodyPr/>
+          <a:lstStyle/>
+          <a:p>
+            <a:fld id="{96A8DA0A-CDAF-4731-95C9-68D0B5CD43CA}" type="slidenum">
+              <a:rPr lang="fr-FR" smtClean="0"/>
+              <a:t>8</a:t>
+            </a:fld>
+            <a:endParaRPr lang="fr-FR"/>
+          </a:p>
+        </p:txBody>
+      </p:sp>
+    </p:spTree>
+    <p:extLst>
+      <p:ext uri="{BB962C8B-B14F-4D97-AF65-F5344CB8AC3E}">
+        <p14:creationId xmlns:p14="http://schemas.microsoft.com/office/powerpoint/2010/main" val="2316263066"/>
+      </p:ext>
+    </p:extLst>
+  </p:cSld>
+  <p:clrMapOvr>
+    <a:masterClrMapping/>
+  </p:clrMapOvr>
+</p:notes>
+</file>
+
+<file path=ppt/notesSlides/notesSlide9.xml><?xml version="1.0" encoding="utf-8"?>
+<p:notes xmlns:a="http://schemas.openxmlformats.org/drawingml/2006/main" xmlns:r="http://schemas.openxmlformats.org/officeDocument/2006/relationships" xmlns:p="http://schemas.openxmlformats.org/presentationml/2006/main">
+  <p:cSld>
+    <p:spTree>
+      <p:nvGrpSpPr>
+        <p:cNvPr id="1" name=""/>
+        <p:cNvGrpSpPr/>
+        <p:nvPr/>
+      </p:nvGrpSpPr>
+      <p:grpSpPr>
+        <a:xfrm>
+          <a:off x="0" y="0"/>
+          <a:ext cx="0" cy="0"/>
+          <a:chOff x="0" y="0"/>
+          <a:chExt cx="0" cy="0"/>
+        </a:xfrm>
+      </p:grpSpPr>
+      <p:sp>
+        <p:nvSpPr>
+          <p:cNvPr id="2" name="Espace réservé de l'image des diapositives 1"/>
+          <p:cNvSpPr>
+            <a:spLocks noGrp="1" noRot="1" noChangeAspect="1"/>
+          </p:cNvSpPr>
+          <p:nvPr>
+            <p:ph type="sldImg"/>
+          </p:nvPr>
+        </p:nvSpPr>
+        <p:spPr/>
+      </p:sp>
+      <p:sp>
+        <p:nvSpPr>
+          <p:cNvPr id="3" name="Espace réservé des commentaires 2"/>
+          <p:cNvSpPr>
+            <a:spLocks noGrp="1"/>
+          </p:cNvSpPr>
+          <p:nvPr>
+            <p:ph type="body" idx="1"/>
+          </p:nvPr>
+        </p:nvSpPr>
+        <p:spPr/>
+        <p:txBody>
+          <a:bodyPr/>
+          <a:lstStyle/>
+          <a:p>
+            <a:r>
+              <a:rPr lang="fr-FR" dirty="0" smtClean="0"/>
+              <a:t>Guillaume</a:t>
+            </a:r>
+          </a:p>
+          <a:p>
+            <a:r>
+              <a:rPr lang="fr-FR" dirty="0" smtClean="0"/>
+              <a:t>Ce sont les améliorations si</a:t>
+            </a:r>
+            <a:r>
+              <a:rPr lang="fr-FR" baseline="0" dirty="0" smtClean="0"/>
+              <a:t> on devait continuer le projet ou si quelqu’un le reprenait</a:t>
+            </a:r>
+            <a:endParaRPr lang="fr-FR" dirty="0"/>
+          </a:p>
+        </p:txBody>
+      </p:sp>
+      <p:sp>
+        <p:nvSpPr>
+          <p:cNvPr id="4" name="Espace réservé du numéro de diapositive 3"/>
+          <p:cNvSpPr>
+            <a:spLocks noGrp="1"/>
+          </p:cNvSpPr>
+          <p:nvPr>
+            <p:ph type="sldNum" sz="quarter" idx="10"/>
+          </p:nvPr>
+        </p:nvSpPr>
+        <p:spPr/>
+        <p:txBody>
+          <a:bodyPr/>
+          <a:lstStyle/>
+          <a:p>
+            <a:fld id="{96A8DA0A-CDAF-4731-95C9-68D0B5CD43CA}" type="slidenum">
+              <a:rPr lang="fr-FR" smtClean="0"/>
+              <a:t>9</a:t>
+            </a:fld>
+            <a:endParaRPr lang="fr-FR"/>
+          </a:p>
+        </p:txBody>
+      </p:sp>
+    </p:spTree>
+    <p:extLst>
+      <p:ext uri="{BB962C8B-B14F-4D97-AF65-F5344CB8AC3E}">
+        <p14:creationId xmlns:p14="http://schemas.microsoft.com/office/powerpoint/2010/main" val="4179851688"/>
       </p:ext>
     </p:extLst>
   </p:cSld>
@@ -1342,9 +2160,10 @@
           </a:lstStyle>
           <a:p>
             <a:r>
-              <a:rPr lang="fr-FR" dirty="0"/>
-              <a:t>Galt – PI S5 IL – Itération 2</a:t>
-            </a:r>
+              <a:rPr lang="fr-FR" dirty="0" smtClean="0"/>
+              <a:t>Galt – PI S5 IL – Itération 3</a:t>
+            </a:r>
+            <a:endParaRPr lang="fr-FR" dirty="0"/>
           </a:p>
         </p:txBody>
       </p:sp>
@@ -1747,9 +2566,10 @@
           </a:lstStyle>
           <a:p>
             <a:r>
-              <a:rPr lang="fr-FR" dirty="0"/>
-              <a:t>Galt – PI S5 IL – Itération 2</a:t>
-            </a:r>
+              <a:rPr lang="fr-FR" dirty="0" smtClean="0"/>
+              <a:t>Galt – PI S5 IL – Itération 3</a:t>
+            </a:r>
+            <a:endParaRPr lang="fr-FR" dirty="0"/>
           </a:p>
         </p:txBody>
       </p:sp>
@@ -2152,8 +2972,13 @@
           <a:p>
             <a:r>
               <a:rPr lang="fr-FR" dirty="0"/>
-              <a:t>Galt – PI S5 IL – Itération 2</a:t>
-            </a:r>
+              <a:t>Galt – PI S5 IL – Itération </a:t>
+            </a:r>
+            <a:r>
+              <a:rPr lang="fr-FR" dirty="0" smtClean="0"/>
+              <a:t>3</a:t>
+            </a:r>
+            <a:endParaRPr lang="fr-FR" dirty="0"/>
           </a:p>
         </p:txBody>
       </p:sp>
@@ -3198,6 +4023,388 @@
 </p:sld>
 </file>
 
+<file path=ppt/slides/slide10.xml><?xml version="1.0" encoding="utf-8"?>
+<p:sld xmlns:a="http://schemas.openxmlformats.org/drawingml/2006/main" xmlns:r="http://schemas.openxmlformats.org/officeDocument/2006/relationships" xmlns:p="http://schemas.openxmlformats.org/presentationml/2006/main">
+  <p:cSld>
+    <p:spTree>
+      <p:nvGrpSpPr>
+        <p:cNvPr id="1" name=""/>
+        <p:cNvGrpSpPr/>
+        <p:nvPr/>
+      </p:nvGrpSpPr>
+      <p:grpSpPr>
+        <a:xfrm>
+          <a:off x="0" y="0"/>
+          <a:ext cx="0" cy="0"/>
+          <a:chOff x="0" y="0"/>
+          <a:chExt cx="0" cy="0"/>
+        </a:xfrm>
+      </p:grpSpPr>
+      <p:sp>
+        <p:nvSpPr>
+          <p:cNvPr id="2" name="Titre 1"/>
+          <p:cNvSpPr>
+            <a:spLocks noGrp="1"/>
+          </p:cNvSpPr>
+          <p:nvPr>
+            <p:ph type="title"/>
+          </p:nvPr>
+        </p:nvSpPr>
+        <p:spPr/>
+        <p:txBody>
+          <a:bodyPr/>
+          <a:lstStyle/>
+          <a:p>
+            <a:r>
+              <a:rPr lang="fr-FR" dirty="0" smtClean="0"/>
+              <a:t>	L’organisation</a:t>
+            </a:r>
+            <a:endParaRPr lang="fr-FR" dirty="0"/>
+          </a:p>
+        </p:txBody>
+      </p:sp>
+      <p:sp>
+        <p:nvSpPr>
+          <p:cNvPr id="3" name="Espace réservé du contenu 2"/>
+          <p:cNvSpPr>
+            <a:spLocks noGrp="1"/>
+          </p:cNvSpPr>
+          <p:nvPr>
+            <p:ph idx="1"/>
+          </p:nvPr>
+        </p:nvSpPr>
+        <p:spPr/>
+        <p:txBody>
+          <a:bodyPr/>
+          <a:lstStyle/>
+          <a:p>
+            <a:r>
+              <a:rPr lang="fr-FR" dirty="0" smtClean="0"/>
+              <a:t>Board </a:t>
+            </a:r>
+            <a:r>
+              <a:rPr lang="fr-FR" dirty="0" err="1" smtClean="0"/>
+              <a:t>Trello</a:t>
+            </a:r>
+            <a:r>
+              <a:rPr lang="fr-FR" dirty="0" smtClean="0"/>
+              <a:t> régulièrement mis à jour :</a:t>
+            </a:r>
+          </a:p>
+          <a:p>
+            <a:pPr lvl="1"/>
+            <a:r>
+              <a:rPr lang="fr-FR" dirty="0" err="1" smtClean="0">
+                <a:hlinkClick r:id="rId3"/>
+              </a:rPr>
+              <a:t>Trello</a:t>
+            </a:r>
+            <a:r>
+              <a:rPr lang="fr-FR" dirty="0" smtClean="0">
+                <a:hlinkClick r:id="rId3"/>
+              </a:rPr>
+              <a:t> Projet Galt</a:t>
+            </a:r>
+            <a:endParaRPr lang="fr-FR" dirty="0" smtClean="0"/>
+          </a:p>
+          <a:p>
+            <a:pPr lvl="1"/>
+            <a:endParaRPr lang="fr-FR" dirty="0"/>
+          </a:p>
+          <a:p>
+            <a:r>
+              <a:rPr lang="fr-FR" dirty="0" smtClean="0"/>
+              <a:t>Repo Git à jour :</a:t>
+            </a:r>
+          </a:p>
+          <a:p>
+            <a:pPr lvl="1"/>
+            <a:r>
+              <a:rPr lang="fr-FR" dirty="0" err="1" smtClean="0">
+                <a:hlinkClick r:id="rId4"/>
+              </a:rPr>
+              <a:t>Github</a:t>
+            </a:r>
+            <a:r>
+              <a:rPr lang="fr-FR" dirty="0" smtClean="0">
+                <a:hlinkClick r:id="rId4"/>
+              </a:rPr>
+              <a:t> Projet Galt</a:t>
+            </a:r>
+            <a:endParaRPr lang="fr-FR" dirty="0"/>
+          </a:p>
+        </p:txBody>
+      </p:sp>
+      <p:sp>
+        <p:nvSpPr>
+          <p:cNvPr id="4" name="Espace réservé de la date 3"/>
+          <p:cNvSpPr>
+            <a:spLocks noGrp="1"/>
+          </p:cNvSpPr>
+          <p:nvPr>
+            <p:ph type="dt" sz="half" idx="10"/>
+          </p:nvPr>
+        </p:nvSpPr>
+        <p:spPr/>
+        <p:txBody>
+          <a:bodyPr/>
+          <a:lstStyle/>
+          <a:p>
+            <a:fld id="{9905D2EB-A0C9-4269-BED7-F488BFFF1574}" type="datetime1">
+              <a:rPr lang="fr-FR" smtClean="0"/>
+              <a:pPr/>
+              <a:t>23/01/2017</a:t>
+            </a:fld>
+            <a:endParaRPr lang="fr-FR" dirty="0"/>
+          </a:p>
+        </p:txBody>
+      </p:sp>
+      <p:sp>
+        <p:nvSpPr>
+          <p:cNvPr id="5" name="Espace réservé du pied de page 4"/>
+          <p:cNvSpPr>
+            <a:spLocks noGrp="1"/>
+          </p:cNvSpPr>
+          <p:nvPr>
+            <p:ph type="ftr" sz="quarter" idx="11"/>
+          </p:nvPr>
+        </p:nvSpPr>
+        <p:spPr/>
+        <p:txBody>
+          <a:bodyPr/>
+          <a:lstStyle/>
+          <a:p>
+            <a:r>
+              <a:rPr lang="fr-FR" smtClean="0"/>
+              <a:t>Galt – PI S5 IL – Itération 3</a:t>
+            </a:r>
+            <a:endParaRPr lang="fr-FR" dirty="0"/>
+          </a:p>
+        </p:txBody>
+      </p:sp>
+      <p:sp>
+        <p:nvSpPr>
+          <p:cNvPr id="6" name="Espace réservé du numéro de diapositive 5"/>
+          <p:cNvSpPr>
+            <a:spLocks noGrp="1"/>
+          </p:cNvSpPr>
+          <p:nvPr>
+            <p:ph type="sldNum" sz="quarter" idx="12"/>
+          </p:nvPr>
+        </p:nvSpPr>
+        <p:spPr/>
+        <p:txBody>
+          <a:bodyPr/>
+          <a:lstStyle/>
+          <a:p>
+            <a:fld id="{CE35DAD6-85E4-415C-A280-4771D4FE3E59}" type="slidenum">
+              <a:rPr lang="fr-FR" smtClean="0"/>
+              <a:pPr/>
+              <a:t>10</a:t>
+            </a:fld>
+            <a:endParaRPr lang="fr-FR" dirty="0"/>
+          </a:p>
+        </p:txBody>
+      </p:sp>
+    </p:spTree>
+    <p:extLst>
+      <p:ext uri="{BB962C8B-B14F-4D97-AF65-F5344CB8AC3E}">
+        <p14:creationId xmlns:p14="http://schemas.microsoft.com/office/powerpoint/2010/main" val="245122118"/>
+      </p:ext>
+    </p:extLst>
+  </p:cSld>
+  <p:clrMapOvr>
+    <a:masterClrMapping/>
+  </p:clrMapOvr>
+</p:sld>
+</file>
+
+<file path=ppt/slides/slide11.xml><?xml version="1.0" encoding="utf-8"?>
+<p:sld xmlns:a="http://schemas.openxmlformats.org/drawingml/2006/main" xmlns:r="http://schemas.openxmlformats.org/officeDocument/2006/relationships" xmlns:p="http://schemas.openxmlformats.org/presentationml/2006/main">
+  <p:cSld>
+    <p:spTree>
+      <p:nvGrpSpPr>
+        <p:cNvPr id="1" name=""/>
+        <p:cNvGrpSpPr/>
+        <p:nvPr/>
+      </p:nvGrpSpPr>
+      <p:grpSpPr>
+        <a:xfrm>
+          <a:off x="0" y="0"/>
+          <a:ext cx="0" cy="0"/>
+          <a:chOff x="0" y="0"/>
+          <a:chExt cx="0" cy="0"/>
+        </a:xfrm>
+      </p:grpSpPr>
+      <p:sp>
+        <p:nvSpPr>
+          <p:cNvPr id="10" name="ZoneTexte 9"/>
+          <p:cNvSpPr txBox="1"/>
+          <p:nvPr/>
+        </p:nvSpPr>
+        <p:spPr>
+          <a:xfrm>
+            <a:off x="2997199" y="470812"/>
+            <a:ext cx="4114800" cy="6468290"/>
+          </a:xfrm>
+          <a:prstGeom prst="rect">
+            <a:avLst/>
+          </a:prstGeom>
+          <a:noFill/>
+        </p:spPr>
+        <p:txBody>
+          <a:bodyPr wrap="square" rtlCol="0" anchor="ctr">
+            <a:spAutoFit/>
+          </a:bodyPr>
+          <a:lstStyle/>
+          <a:p>
+            <a:pPr algn="ctr"/>
+            <a:r>
+              <a:rPr lang="fr-FR" sz="41300" b="1" dirty="0">
+                <a:solidFill>
+                  <a:schemeClr val="accent5">
+                    <a:lumMod val="20000"/>
+                    <a:lumOff val="80000"/>
+                  </a:schemeClr>
+                </a:solidFill>
+                <a:latin typeface="Mangal" panose="02040503050203030202" pitchFamily="18" charset="0"/>
+                <a:cs typeface="Mangal" panose="02040503050203030202" pitchFamily="18" charset="0"/>
+              </a:rPr>
+              <a:t>?</a:t>
+            </a:r>
+          </a:p>
+        </p:txBody>
+      </p:sp>
+      <p:sp>
+        <p:nvSpPr>
+          <p:cNvPr id="9" name="Espace réservé du contenu 8"/>
+          <p:cNvSpPr>
+            <a:spLocks noGrp="1"/>
+          </p:cNvSpPr>
+          <p:nvPr>
+            <p:ph idx="1"/>
+          </p:nvPr>
+        </p:nvSpPr>
+        <p:spPr>
+          <a:xfrm>
+            <a:off x="3251200" y="3282414"/>
+            <a:ext cx="3606799" cy="845086"/>
+          </a:xfrm>
+          <a:solidFill>
+            <a:schemeClr val="accent5">
+              <a:lumMod val="50000"/>
+            </a:schemeClr>
+          </a:solidFill>
+        </p:spPr>
+        <p:txBody>
+          <a:bodyPr anchor="ctr"/>
+          <a:lstStyle/>
+          <a:p>
+            <a:pPr marL="0" indent="0" algn="ctr">
+              <a:lnSpc>
+                <a:spcPct val="100000"/>
+              </a:lnSpc>
+              <a:buNone/>
+            </a:pPr>
+            <a:r>
+              <a:rPr lang="fr-FR" dirty="0">
+                <a:solidFill>
+                  <a:schemeClr val="bg1"/>
+                </a:solidFill>
+              </a:rPr>
+              <a:t>Avez-vous des questions ?</a:t>
+            </a:r>
+          </a:p>
+        </p:txBody>
+      </p:sp>
+      <p:sp>
+        <p:nvSpPr>
+          <p:cNvPr id="4" name="Espace réservé de la date 3"/>
+          <p:cNvSpPr>
+            <a:spLocks noGrp="1"/>
+          </p:cNvSpPr>
+          <p:nvPr>
+            <p:ph type="dt" sz="half" idx="10"/>
+          </p:nvPr>
+        </p:nvSpPr>
+        <p:spPr/>
+        <p:txBody>
+          <a:bodyPr/>
+          <a:lstStyle/>
+          <a:p>
+            <a:fld id="{9905D2EB-A0C9-4269-BED7-F488BFFF1574}" type="datetime1">
+              <a:rPr lang="fr-FR" smtClean="0"/>
+              <a:pPr/>
+              <a:t>22/01/2017</a:t>
+            </a:fld>
+            <a:endParaRPr lang="fr-FR" dirty="0"/>
+          </a:p>
+        </p:txBody>
+      </p:sp>
+      <p:sp>
+        <p:nvSpPr>
+          <p:cNvPr id="5" name="Espace réservé du pied de page 4"/>
+          <p:cNvSpPr>
+            <a:spLocks noGrp="1"/>
+          </p:cNvSpPr>
+          <p:nvPr>
+            <p:ph type="ftr" sz="quarter" idx="11"/>
+          </p:nvPr>
+        </p:nvSpPr>
+        <p:spPr/>
+        <p:txBody>
+          <a:bodyPr/>
+          <a:lstStyle/>
+          <a:p>
+            <a:r>
+              <a:rPr lang="fr-FR" dirty="0"/>
+              <a:t>Galt – PI S5 IL – Itération </a:t>
+            </a:r>
+            <a:r>
+              <a:rPr lang="fr-FR" dirty="0" smtClean="0"/>
+              <a:t>3</a:t>
+            </a:r>
+            <a:endParaRPr lang="fr-FR" dirty="0"/>
+          </a:p>
+        </p:txBody>
+      </p:sp>
+      <p:sp>
+        <p:nvSpPr>
+          <p:cNvPr id="6" name="Espace réservé du numéro de diapositive 5"/>
+          <p:cNvSpPr>
+            <a:spLocks noGrp="1"/>
+          </p:cNvSpPr>
+          <p:nvPr>
+            <p:ph type="sldNum" sz="quarter" idx="12"/>
+          </p:nvPr>
+        </p:nvSpPr>
+        <p:spPr/>
+        <p:txBody>
+          <a:bodyPr/>
+          <a:lstStyle/>
+          <a:p>
+            <a:fld id="{CE35DAD6-85E4-415C-A280-4771D4FE3E59}" type="slidenum">
+              <a:rPr lang="fr-FR" smtClean="0"/>
+              <a:pPr/>
+              <a:t>11</a:t>
+            </a:fld>
+            <a:endParaRPr lang="fr-FR" dirty="0"/>
+          </a:p>
+        </p:txBody>
+      </p:sp>
+    </p:spTree>
+    <p:extLst>
+      <p:ext uri="{BB962C8B-B14F-4D97-AF65-F5344CB8AC3E}">
+        <p14:creationId xmlns:p14="http://schemas.microsoft.com/office/powerpoint/2010/main" val="3134118039"/>
+      </p:ext>
+    </p:extLst>
+  </p:cSld>
+  <p:clrMapOvr>
+    <a:masterClrMapping/>
+  </p:clrMapOvr>
+</p:sld>
+</file>
+
 <file path=ppt/slides/slide2.xml><?xml version="1.0" encoding="utf-8"?>
 <p:sld xmlns:a="http://schemas.openxmlformats.org/drawingml/2006/main" xmlns:r="http://schemas.openxmlformats.org/officeDocument/2006/relationships" xmlns:p="http://schemas.openxmlformats.org/presentationml/2006/main">
   <p:cSld>
@@ -3231,8 +4438,171 @@
           <a:lstStyle/>
           <a:p>
             <a:r>
+              <a:rPr lang="fr-FR" dirty="0" smtClean="0"/>
+              <a:t>	La mission</a:t>
+            </a:r>
+            <a:endParaRPr lang="fr-FR" dirty="0"/>
+          </a:p>
+        </p:txBody>
+      </p:sp>
+      <p:sp>
+        <p:nvSpPr>
+          <p:cNvPr id="3" name="Espace réservé du contenu 2"/>
+          <p:cNvSpPr>
+            <a:spLocks noGrp="1"/>
+          </p:cNvSpPr>
+          <p:nvPr>
+            <p:ph idx="1"/>
+          </p:nvPr>
+        </p:nvSpPr>
+        <p:spPr/>
+        <p:txBody>
+          <a:bodyPr/>
+          <a:lstStyle/>
+          <a:p>
+            <a:r>
+              <a:rPr lang="fr-FR" dirty="0" smtClean="0"/>
+              <a:t>Créer un site web permettant d’afficher le graphe des dépendances d’un package </a:t>
+            </a:r>
+            <a:r>
+              <a:rPr lang="fr-FR" dirty="0" err="1" smtClean="0"/>
+              <a:t>NuGet</a:t>
+            </a:r>
+            <a:r>
+              <a:rPr lang="fr-FR" dirty="0" smtClean="0"/>
+              <a:t>. Le graphe permettra de souligner les problèmes au niveau des dépendances.</a:t>
+            </a:r>
+            <a:endParaRPr lang="fr-FR" dirty="0"/>
+          </a:p>
+        </p:txBody>
+      </p:sp>
+      <p:sp>
+        <p:nvSpPr>
+          <p:cNvPr id="4" name="Espace réservé de la date 3"/>
+          <p:cNvSpPr>
+            <a:spLocks noGrp="1"/>
+          </p:cNvSpPr>
+          <p:nvPr>
+            <p:ph type="dt" sz="half" idx="10"/>
+          </p:nvPr>
+        </p:nvSpPr>
+        <p:spPr/>
+        <p:txBody>
+          <a:bodyPr/>
+          <a:lstStyle/>
+          <a:p>
+            <a:fld id="{9905D2EB-A0C9-4269-BED7-F488BFFF1574}" type="datetime1">
+              <a:rPr lang="fr-FR" smtClean="0"/>
+              <a:pPr/>
+              <a:t>23/01/2017</a:t>
+            </a:fld>
+            <a:endParaRPr lang="fr-FR" dirty="0"/>
+          </a:p>
+        </p:txBody>
+      </p:sp>
+      <p:sp>
+        <p:nvSpPr>
+          <p:cNvPr id="5" name="Espace réservé du pied de page 4"/>
+          <p:cNvSpPr>
+            <a:spLocks noGrp="1"/>
+          </p:cNvSpPr>
+          <p:nvPr>
+            <p:ph type="ftr" sz="quarter" idx="11"/>
+          </p:nvPr>
+        </p:nvSpPr>
+        <p:spPr/>
+        <p:txBody>
+          <a:bodyPr/>
+          <a:lstStyle/>
+          <a:p>
+            <a:r>
+              <a:rPr lang="fr-FR" dirty="0" smtClean="0"/>
+              <a:t>Galt – PI S5 IL – Itération 3</a:t>
+            </a:r>
+            <a:endParaRPr lang="fr-FR" dirty="0"/>
+          </a:p>
+        </p:txBody>
+      </p:sp>
+      <p:sp>
+        <p:nvSpPr>
+          <p:cNvPr id="6" name="Espace réservé du numéro de diapositive 5"/>
+          <p:cNvSpPr>
+            <a:spLocks noGrp="1"/>
+          </p:cNvSpPr>
+          <p:nvPr>
+            <p:ph type="sldNum" sz="quarter" idx="12"/>
+          </p:nvPr>
+        </p:nvSpPr>
+        <p:spPr/>
+        <p:txBody>
+          <a:bodyPr/>
+          <a:lstStyle/>
+          <a:p>
+            <a:fld id="{CE35DAD6-85E4-415C-A280-4771D4FE3E59}" type="slidenum">
+              <a:rPr lang="fr-FR" smtClean="0"/>
+              <a:pPr/>
+              <a:t>2</a:t>
+            </a:fld>
+            <a:endParaRPr lang="fr-FR" dirty="0"/>
+          </a:p>
+        </p:txBody>
+      </p:sp>
+    </p:spTree>
+    <p:extLst>
+      <p:ext uri="{BB962C8B-B14F-4D97-AF65-F5344CB8AC3E}">
+        <p14:creationId xmlns:p14="http://schemas.microsoft.com/office/powerpoint/2010/main" val="3521009228"/>
+      </p:ext>
+    </p:extLst>
+  </p:cSld>
+  <p:clrMapOvr>
+    <a:masterClrMapping/>
+  </p:clrMapOvr>
+</p:sld>
+</file>
+
+<file path=ppt/slides/slide3.xml><?xml version="1.0" encoding="utf-8"?>
+<p:sld xmlns:a="http://schemas.openxmlformats.org/drawingml/2006/main" xmlns:r="http://schemas.openxmlformats.org/officeDocument/2006/relationships" xmlns:p="http://schemas.openxmlformats.org/presentationml/2006/main">
+  <p:cSld>
+    <p:spTree>
+      <p:nvGrpSpPr>
+        <p:cNvPr id="1" name=""/>
+        <p:cNvGrpSpPr/>
+        <p:nvPr/>
+      </p:nvGrpSpPr>
+      <p:grpSpPr>
+        <a:xfrm>
+          <a:off x="0" y="0"/>
+          <a:ext cx="0" cy="0"/>
+          <a:chOff x="0" y="0"/>
+          <a:chExt cx="0" cy="0"/>
+        </a:xfrm>
+      </p:grpSpPr>
+      <p:sp>
+        <p:nvSpPr>
+          <p:cNvPr id="2" name="Titre 1"/>
+          <p:cNvSpPr>
+            <a:spLocks noGrp="1"/>
+          </p:cNvSpPr>
+          <p:nvPr>
+            <p:ph type="title"/>
+          </p:nvPr>
+        </p:nvSpPr>
+        <p:spPr/>
+        <p:txBody>
+          <a:bodyPr/>
+          <a:lstStyle/>
+          <a:p>
+            <a:r>
               <a:rPr lang="fr-FR" dirty="0"/>
-              <a:t>	Objectifs initiaux</a:t>
+              <a:t>	</a:t>
+            </a:r>
+            <a:r>
+              <a:rPr lang="fr-FR" dirty="0" smtClean="0"/>
+              <a:t>Nos objectifs </a:t>
+            </a:r>
+            <a:r>
+              <a:rPr lang="fr-FR" dirty="0"/>
+              <a:t>initiaux</a:t>
             </a:r>
           </a:p>
         </p:txBody>
@@ -3262,28 +4632,8 @@
             </a:pPr>
             <a:r>
               <a:rPr lang="fr-FR" dirty="0" smtClean="0"/>
-              <a:t>Création d’un SPA permettant de visionner un graphe des dépendances d’un package </a:t>
-            </a:r>
-            <a:r>
-              <a:rPr lang="fr-FR" dirty="0" err="1" smtClean="0"/>
-              <a:t>Nuget</a:t>
-            </a:r>
-            <a:r>
-              <a:rPr lang="fr-FR" dirty="0" smtClean="0"/>
-              <a:t> et un récapitulatif des problèmes concernant ces mêmes dépendances.</a:t>
-            </a:r>
-          </a:p>
-          <a:p>
-            <a:pPr marL="0" indent="0">
-              <a:lnSpc>
-                <a:spcPct val="100000"/>
-              </a:lnSpc>
-              <a:buClr>
-                <a:srgbClr val="000000"/>
-              </a:buClr>
-              <a:buNone/>
-            </a:pPr>
-            <a:endParaRPr lang="fr-FR" dirty="0" smtClean="0"/>
+              <a:t>Créer une SPA</a:t>
+            </a:r>
           </a:p>
           <a:p>
             <a:pPr marL="342900" indent="-342900">
@@ -3296,27 +4646,28 @@
             </a:pPr>
             <a:r>
               <a:rPr lang="fr-FR" dirty="0" smtClean="0"/>
-              <a:t>Le site affichera diverses informations concernant le package </a:t>
+              <a:t>Permettre à l’utilisateur </a:t>
+            </a:r>
+            <a:r>
+              <a:rPr lang="fr-FR" dirty="0" smtClean="0"/>
+              <a:t>de visionner </a:t>
+            </a:r>
+            <a:r>
+              <a:rPr lang="fr-FR" dirty="0" smtClean="0"/>
+              <a:t>le</a:t>
+            </a:r>
+            <a:r>
+              <a:rPr lang="fr-FR" dirty="0" smtClean="0"/>
+              <a:t> </a:t>
+            </a:r>
+            <a:r>
+              <a:rPr lang="fr-FR" dirty="0" smtClean="0"/>
+              <a:t>graphe des dépendances d’un package </a:t>
             </a:r>
             <a:r>
               <a:rPr lang="fr-FR" dirty="0" err="1" smtClean="0"/>
-              <a:t>Nuget</a:t>
-            </a:r>
-            <a:r>
-              <a:rPr lang="fr-FR" dirty="0" smtClean="0"/>
-              <a:t> et sa version sélectionnée.</a:t>
-            </a:r>
-          </a:p>
-          <a:p>
-            <a:pPr marL="0" indent="0">
-              <a:lnSpc>
-                <a:spcPct val="100000"/>
-              </a:lnSpc>
-              <a:buClr>
-                <a:srgbClr val="000000"/>
-              </a:buClr>
-              <a:buNone/>
-            </a:pPr>
+              <a:t>NuGet</a:t>
+            </a:r>
             <a:endParaRPr lang="fr-FR" dirty="0" smtClean="0"/>
           </a:p>
           <a:p>
@@ -3329,17 +4680,74 @@
               </a:buClr>
             </a:pPr>
             <a:r>
+              <a:rPr lang="fr-FR" dirty="0"/>
+              <a:t>Permettre à l’utilisateur </a:t>
+            </a:r>
+            <a:r>
               <a:rPr lang="fr-FR" dirty="0" smtClean="0"/>
-              <a:t>L’utilisateur aura la possibilité de se connecter avec ses identifiants </a:t>
+              <a:t>d’avoir </a:t>
+            </a:r>
+            <a:r>
+              <a:rPr lang="fr-FR" dirty="0" smtClean="0"/>
+              <a:t>un </a:t>
+            </a:r>
+            <a:r>
+              <a:rPr lang="fr-FR" dirty="0" smtClean="0"/>
+              <a:t>récapitulatif des problèmes concernant ces mêmes </a:t>
+            </a:r>
+            <a:r>
+              <a:rPr lang="fr-FR" dirty="0" smtClean="0"/>
+              <a:t>dépendances</a:t>
+            </a:r>
+            <a:endParaRPr lang="fr-FR" dirty="0" smtClean="0"/>
+          </a:p>
+          <a:p>
+            <a:pPr marL="342900" indent="-342900">
+              <a:lnSpc>
+                <a:spcPct val="100000"/>
+              </a:lnSpc>
+              <a:buClr>
+                <a:srgbClr val="000000"/>
+              </a:buClr>
+            </a:pPr>
+            <a:r>
+              <a:rPr lang="fr-FR" dirty="0" smtClean="0"/>
+              <a:t>Permettre à l’utilisateur de changer de version du package </a:t>
             </a:r>
             <a:r>
               <a:rPr lang="fr-FR" dirty="0" err="1" smtClean="0"/>
-              <a:t>Github</a:t>
-            </a:r>
+              <a:t>NuGet</a:t>
+            </a:r>
+            <a:endParaRPr lang="fr-FR" dirty="0" smtClean="0"/>
+          </a:p>
+          <a:p>
+            <a:pPr marL="342900" indent="-342900">
+              <a:lnSpc>
+                <a:spcPct val="100000"/>
+              </a:lnSpc>
+              <a:buClr>
+                <a:srgbClr val="000000"/>
+              </a:buClr>
+            </a:pPr>
             <a:r>
               <a:rPr lang="fr-FR" dirty="0" smtClean="0"/>
-              <a:t> pour accéder à ses packages favoris et ceux récemment vus.</a:t>
-            </a:r>
+              <a:t>Permettre à l’utilisateur de se connecter via GitHub</a:t>
+            </a:r>
+          </a:p>
+          <a:p>
+            <a:pPr marL="342900" indent="-342900">
+              <a:lnSpc>
+                <a:spcPct val="100000"/>
+              </a:lnSpc>
+              <a:buClr>
+                <a:srgbClr val="000000"/>
+              </a:buClr>
+            </a:pPr>
+            <a:r>
+              <a:rPr lang="fr-FR" dirty="0" smtClean="0"/>
+              <a:t>Ajouter une fonction « favoris » pour que l’utilisateur retrouve facilement ses packages et voit d’un coup les packages ayant un problème</a:t>
+            </a:r>
+            <a:endParaRPr lang="fr-FR" dirty="0" smtClean="0"/>
           </a:p>
         </p:txBody>
       </p:sp>
@@ -3360,7 +4768,7 @@
           <a:p>
             <a:fld id="{9AEBC41D-566D-471B-BC6B-E875D8BD5980}" type="datetime1">
               <a:rPr lang="fr-FR" smtClean="0"/>
-              <a:t>22/01/2017</a:t>
+              <a:t>23/01/2017</a:t>
             </a:fld>
             <a:endParaRPr lang="fr-FR" dirty="0"/>
           </a:p>
@@ -3411,7 +4819,7 @@
             <a:fld id="{CE35DAD6-85E4-415C-A280-4771D4FE3E59}" type="slidenum">
               <a:rPr lang="fr-FR" smtClean="0"/>
               <a:pPr/>
-              <a:t>2</a:t>
+              <a:t>3</a:t>
             </a:fld>
             <a:endParaRPr lang="fr-FR" dirty="0"/>
           </a:p>
@@ -3452,157 +4860,6 @@
 </p:sld>
 </file>
 
-<file path=ppt/slides/slide3.xml><?xml version="1.0" encoding="utf-8"?>
-<p:sld xmlns:a="http://schemas.openxmlformats.org/drawingml/2006/main" xmlns:r="http://schemas.openxmlformats.org/officeDocument/2006/relationships" xmlns:p="http://schemas.openxmlformats.org/presentationml/2006/main">
-  <p:cSld>
-    <p:spTree>
-      <p:nvGrpSpPr>
-        <p:cNvPr id="1" name=""/>
-        <p:cNvGrpSpPr/>
-        <p:nvPr/>
-      </p:nvGrpSpPr>
-      <p:grpSpPr>
-        <a:xfrm>
-          <a:off x="0" y="0"/>
-          <a:ext cx="0" cy="0"/>
-          <a:chOff x="0" y="0"/>
-          <a:chExt cx="0" cy="0"/>
-        </a:xfrm>
-      </p:grpSpPr>
-      <p:sp>
-        <p:nvSpPr>
-          <p:cNvPr id="2" name="Titre 1"/>
-          <p:cNvSpPr>
-            <a:spLocks noGrp="1"/>
-          </p:cNvSpPr>
-          <p:nvPr>
-            <p:ph type="title"/>
-          </p:nvPr>
-        </p:nvSpPr>
-        <p:spPr/>
-        <p:txBody>
-          <a:bodyPr/>
-          <a:lstStyle/>
-          <a:p>
-            <a:r>
-              <a:rPr lang="fr-FR" dirty="0" smtClean="0"/>
-              <a:t>démo</a:t>
-            </a:r>
-            <a:endParaRPr lang="fr-FR" dirty="0"/>
-          </a:p>
-        </p:txBody>
-      </p:sp>
-      <p:sp>
-        <p:nvSpPr>
-          <p:cNvPr id="3" name="Espace réservé du contenu 2"/>
-          <p:cNvSpPr>
-            <a:spLocks noGrp="1"/>
-          </p:cNvSpPr>
-          <p:nvPr>
-            <p:ph idx="1"/>
-          </p:nvPr>
-        </p:nvSpPr>
-        <p:spPr/>
-        <p:txBody>
-          <a:bodyPr/>
-          <a:lstStyle/>
-          <a:p>
-            <a:r>
-              <a:rPr lang="fr-FR" dirty="0" smtClean="0"/>
-              <a:t>Explication des écarts d’objectifs pendant la démo</a:t>
-            </a:r>
-            <a:endParaRPr lang="fr-FR" dirty="0"/>
-          </a:p>
-        </p:txBody>
-      </p:sp>
-      <p:sp>
-        <p:nvSpPr>
-          <p:cNvPr id="4" name="Espace réservé de la date 3"/>
-          <p:cNvSpPr>
-            <a:spLocks noGrp="1"/>
-          </p:cNvSpPr>
-          <p:nvPr>
-            <p:ph type="dt" sz="half" idx="10"/>
-          </p:nvPr>
-        </p:nvSpPr>
-        <p:spPr/>
-        <p:txBody>
-          <a:bodyPr/>
-          <a:lstStyle/>
-          <a:p>
-            <a:fld id="{9905D2EB-A0C9-4269-BED7-F488BFFF1574}" type="datetime1">
-              <a:rPr lang="fr-FR" smtClean="0"/>
-              <a:pPr/>
-              <a:t>22/01/2017</a:t>
-            </a:fld>
-            <a:endParaRPr lang="fr-FR" dirty="0"/>
-          </a:p>
-        </p:txBody>
-      </p:sp>
-      <p:sp>
-        <p:nvSpPr>
-          <p:cNvPr id="5" name="Espace réservé du pied de page 4"/>
-          <p:cNvSpPr>
-            <a:spLocks noGrp="1"/>
-          </p:cNvSpPr>
-          <p:nvPr>
-            <p:ph type="ftr" sz="quarter" idx="11"/>
-          </p:nvPr>
-        </p:nvSpPr>
-        <p:spPr/>
-        <p:txBody>
-          <a:bodyPr/>
-          <a:lstStyle/>
-          <a:p>
-            <a:r>
-              <a:rPr lang="fr-FR" dirty="0" err="1" smtClean="0"/>
-              <a:t>Galt</a:t>
-            </a:r>
-            <a:r>
-              <a:rPr lang="fr-FR" dirty="0" smtClean="0"/>
-              <a:t> – PI S5 IL – Itération 3</a:t>
-            </a:r>
-            <a:endParaRPr lang="fr-FR" dirty="0"/>
-          </a:p>
-        </p:txBody>
-      </p:sp>
-      <p:sp>
-        <p:nvSpPr>
-          <p:cNvPr id="6" name="Espace réservé du numéro de diapositive 5"/>
-          <p:cNvSpPr>
-            <a:spLocks noGrp="1"/>
-          </p:cNvSpPr>
-          <p:nvPr>
-            <p:ph type="sldNum" sz="quarter" idx="12"/>
-          </p:nvPr>
-        </p:nvSpPr>
-        <p:spPr/>
-        <p:txBody>
-          <a:bodyPr/>
-          <a:lstStyle/>
-          <a:p>
-            <a:fld id="{CE35DAD6-85E4-415C-A280-4771D4FE3E59}" type="slidenum">
-              <a:rPr lang="fr-FR" smtClean="0"/>
-              <a:pPr/>
-              <a:t>3</a:t>
-            </a:fld>
-            <a:endParaRPr lang="fr-FR" dirty="0"/>
-          </a:p>
-        </p:txBody>
-      </p:sp>
-    </p:spTree>
-    <p:extLst>
-      <p:ext uri="{BB962C8B-B14F-4D97-AF65-F5344CB8AC3E}">
-        <p14:creationId xmlns:p14="http://schemas.microsoft.com/office/powerpoint/2010/main" val="124243973"/>
-      </p:ext>
-    </p:extLst>
-  </p:cSld>
-  <p:clrMapOvr>
-    <a:masterClrMapping/>
-  </p:clrMapOvr>
-</p:sld>
-</file>
-
 <file path=ppt/slides/slide4.xml><?xml version="1.0" encoding="utf-8"?>
 <p:sld xmlns:a="http://schemas.openxmlformats.org/drawingml/2006/main" xmlns:r="http://schemas.openxmlformats.org/officeDocument/2006/relationships" xmlns:p="http://schemas.openxmlformats.org/presentationml/2006/main">
   <p:cSld>
@@ -3636,12 +4893,42 @@
           <a:lstStyle/>
           <a:p>
             <a:r>
-              <a:rPr lang="fr-FR" dirty="0"/>
-              <a:t>	Objectifs atteints</a:t>
-            </a:r>
-          </a:p>
-        </p:txBody>
-      </p:sp>
+              <a:rPr lang="fr-FR" dirty="0" smtClean="0"/>
+              <a:t>	La démonstration</a:t>
+            </a:r>
+            <a:endParaRPr lang="fr-FR" dirty="0"/>
+          </a:p>
+        </p:txBody>
+      </p:sp>
+      <p:pic>
+        <p:nvPicPr>
+          <p:cNvPr id="7" name="Espace réservé du contenu 6"/>
+          <p:cNvPicPr>
+            <a:picLocks noGrp="1" noChangeAspect="1"/>
+          </p:cNvPicPr>
+          <p:nvPr>
+            <p:ph idx="1"/>
+          </p:nvPr>
+        </p:nvPicPr>
+        <p:blipFill>
+          <a:blip r:embed="rId3">
+            <a:extLst>
+              <a:ext uri="{28A0092B-C50C-407E-A947-70E740481C1C}">
+                <a14:useLocalDpi xmlns:a14="http://schemas.microsoft.com/office/drawing/2010/main" val="0"/>
+              </a:ext>
+            </a:extLst>
+          </a:blip>
+          <a:stretch>
+            <a:fillRect/>
+          </a:stretch>
+        </p:blipFill>
+        <p:spPr>
+          <a:xfrm>
+            <a:off x="1376276" y="1962645"/>
+            <a:ext cx="4286848" cy="4286848"/>
+          </a:xfrm>
+        </p:spPr>
+      </p:pic>
       <p:sp>
         <p:nvSpPr>
           <p:cNvPr id="4" name="Espace réservé de la date 3"/>
@@ -3682,12 +4969,12 @@
           <a:lstStyle/>
           <a:p>
             <a:r>
-              <a:rPr lang="fr-FR" dirty="0"/>
-              <a:t>Galt – PI S5 IL – Itération </a:t>
-            </a:r>
-            <a:r>
-              <a:rPr lang="fr-FR" dirty="0"/>
-              <a:t>3</a:t>
+              <a:rPr lang="fr-FR" dirty="0" err="1" smtClean="0"/>
+              <a:t>Galt</a:t>
+            </a:r>
+            <a:r>
+              <a:rPr lang="fr-FR" dirty="0" smtClean="0"/>
+              <a:t> – PI S5 IL – Itération 3</a:t>
             </a:r>
             <a:endParaRPr lang="fr-FR" dirty="0"/>
           </a:p>
@@ -3717,24 +5004,250 @@
           </a:p>
         </p:txBody>
       </p:sp>
-      <p:sp>
-        <p:nvSpPr>
-          <p:cNvPr id="7" name="Espace réservé du contenu 2"/>
+    </p:spTree>
+    <p:extLst>
+      <p:ext uri="{BB962C8B-B14F-4D97-AF65-F5344CB8AC3E}">
+        <p14:creationId xmlns:p14="http://schemas.microsoft.com/office/powerpoint/2010/main" val="124243973"/>
+      </p:ext>
+    </p:extLst>
+  </p:cSld>
+  <p:clrMapOvr>
+    <a:masterClrMapping/>
+  </p:clrMapOvr>
+</p:sld>
+</file>
+
+<file path=ppt/slides/slide5.xml><?xml version="1.0" encoding="utf-8"?>
+<p:sld xmlns:a="http://schemas.openxmlformats.org/drawingml/2006/main" xmlns:r="http://schemas.openxmlformats.org/officeDocument/2006/relationships" xmlns:p="http://schemas.openxmlformats.org/presentationml/2006/main">
+  <p:cSld>
+    <p:spTree>
+      <p:nvGrpSpPr>
+        <p:cNvPr id="1" name=""/>
+        <p:cNvGrpSpPr/>
+        <p:nvPr/>
+      </p:nvGrpSpPr>
+      <p:grpSpPr>
+        <a:xfrm>
+          <a:off x="0" y="0"/>
+          <a:ext cx="0" cy="0"/>
+          <a:chOff x="0" y="0"/>
+          <a:chExt cx="0" cy="0"/>
+        </a:xfrm>
+      </p:grpSpPr>
+      <p:sp>
+        <p:nvSpPr>
+          <p:cNvPr id="2" name="Titre 1"/>
+          <p:cNvSpPr>
+            <a:spLocks noGrp="1"/>
+          </p:cNvSpPr>
+          <p:nvPr>
+            <p:ph type="title"/>
+          </p:nvPr>
+        </p:nvSpPr>
+        <p:spPr/>
+        <p:txBody>
+          <a:bodyPr/>
+          <a:lstStyle/>
+          <a:p>
+            <a:r>
+              <a:rPr lang="fr-FR" dirty="0"/>
+              <a:t>	</a:t>
+            </a:r>
+            <a:r>
+              <a:rPr lang="fr-FR" dirty="0" smtClean="0"/>
+              <a:t>Nos objectifs </a:t>
+            </a:r>
+            <a:r>
+              <a:rPr lang="fr-FR" dirty="0"/>
+              <a:t>atteints</a:t>
+            </a:r>
+          </a:p>
+        </p:txBody>
+      </p:sp>
+      <p:sp>
+        <p:nvSpPr>
+          <p:cNvPr id="4" name="Espace réservé de la date 3"/>
+          <p:cNvSpPr>
+            <a:spLocks noGrp="1"/>
+          </p:cNvSpPr>
+          <p:nvPr>
+            <p:ph type="dt" sz="half" idx="10"/>
+          </p:nvPr>
+        </p:nvSpPr>
+        <p:spPr/>
+        <p:txBody>
+          <a:bodyPr/>
+          <a:lstStyle/>
+          <a:p>
+            <a:fld id="{9905D2EB-A0C9-4269-BED7-F488BFFF1574}" type="datetime1">
+              <a:rPr lang="fr-FR" smtClean="0"/>
+              <a:pPr/>
+              <a:t>23/01/2017</a:t>
+            </a:fld>
+            <a:endParaRPr lang="fr-FR" dirty="0"/>
+          </a:p>
+        </p:txBody>
+      </p:sp>
+      <p:sp>
+        <p:nvSpPr>
+          <p:cNvPr id="5" name="Espace réservé du pied de page 4"/>
+          <p:cNvSpPr>
+            <a:spLocks noGrp="1"/>
+          </p:cNvSpPr>
+          <p:nvPr>
+            <p:ph type="ftr" sz="quarter" idx="11"/>
+          </p:nvPr>
+        </p:nvSpPr>
+        <p:spPr/>
+        <p:txBody>
+          <a:bodyPr/>
+          <a:lstStyle/>
+          <a:p>
+            <a:r>
+              <a:rPr lang="fr-FR" dirty="0"/>
+              <a:t>Galt – PI S5 IL – Itération 3</a:t>
+            </a:r>
+          </a:p>
+        </p:txBody>
+      </p:sp>
+      <p:sp>
+        <p:nvSpPr>
+          <p:cNvPr id="6" name="Espace réservé du numéro de diapositive 5"/>
+          <p:cNvSpPr>
+            <a:spLocks noGrp="1"/>
+          </p:cNvSpPr>
+          <p:nvPr>
+            <p:ph type="sldNum" sz="quarter" idx="12"/>
+          </p:nvPr>
+        </p:nvSpPr>
+        <p:spPr/>
+        <p:txBody>
+          <a:bodyPr/>
+          <a:lstStyle/>
+          <a:p>
+            <a:fld id="{CE35DAD6-85E4-415C-A280-4771D4FE3E59}" type="slidenum">
+              <a:rPr lang="fr-FR" smtClean="0"/>
+              <a:pPr/>
+              <a:t>5</a:t>
+            </a:fld>
+            <a:endParaRPr lang="fr-FR" dirty="0"/>
+          </a:p>
+        </p:txBody>
+      </p:sp>
+      <p:sp>
+        <p:nvSpPr>
+          <p:cNvPr id="10" name="Espace réservé du contenu 9"/>
+          <p:cNvSpPr>
+            <a:spLocks noGrp="1"/>
+          </p:cNvSpPr>
+          <p:nvPr>
+            <p:ph idx="1"/>
+          </p:nvPr>
+        </p:nvSpPr>
+        <p:spPr>
+          <a:xfrm>
+            <a:off x="558801" y="2012414"/>
+            <a:ext cx="5664199" cy="997486"/>
+          </a:xfrm>
+        </p:spPr>
+        <p:txBody>
+          <a:bodyPr/>
+          <a:lstStyle/>
+          <a:p>
+            <a:r>
+              <a:rPr lang="fr-FR" sz="1700" dirty="0" smtClean="0"/>
+              <a:t>Créer d’une SPA :</a:t>
+            </a:r>
+          </a:p>
+          <a:p>
+            <a:pPr lvl="1"/>
+            <a:r>
+              <a:rPr lang="fr-FR" sz="1700" dirty="0" smtClean="0"/>
+              <a:t>Objectif atteint : Le site est une SPA en Vue.js</a:t>
+            </a:r>
+            <a:endParaRPr lang="fr-FR" sz="1700" dirty="0"/>
+          </a:p>
+          <a:p>
+            <a:pPr lvl="1"/>
+            <a:endParaRPr lang="fr-FR" sz="1700" dirty="0" smtClean="0"/>
+          </a:p>
+        </p:txBody>
+      </p:sp>
+      <p:sp>
+        <p:nvSpPr>
+          <p:cNvPr id="11" name="Ellipse 10"/>
+          <p:cNvSpPr/>
+          <p:nvPr/>
+        </p:nvSpPr>
+        <p:spPr>
+          <a:xfrm>
+            <a:off x="6857999" y="2259160"/>
+            <a:ext cx="488949" cy="503994"/>
+          </a:xfrm>
+          <a:prstGeom prst="ellipse">
+            <a:avLst/>
+          </a:prstGeom>
+          <a:solidFill>
+            <a:srgbClr val="02AE2B"/>
+          </a:solidFill>
+          <a:ln>
+            <a:solidFill>
+              <a:srgbClr val="014B38"/>
+            </a:solidFill>
+          </a:ln>
+          <a:scene3d>
+            <a:camera prst="orthographicFront"/>
+            <a:lightRig rig="threePt" dir="t"/>
+          </a:scene3d>
+          <a:sp3d>
+            <a:bevelT w="152400" h="50800" prst="softRound"/>
+          </a:sp3d>
+        </p:spPr>
+        <p:style>
+          <a:lnRef idx="2">
+            <a:schemeClr val="accent1">
+              <a:shade val="50000"/>
+            </a:schemeClr>
+          </a:lnRef>
+          <a:fillRef idx="1">
+            <a:schemeClr val="accent1"/>
+          </a:fillRef>
+          <a:effectRef idx="0">
+            <a:schemeClr val="accent1"/>
+          </a:effectRef>
+          <a:fontRef idx="minor">
+            <a:schemeClr val="lt1"/>
+          </a:fontRef>
+        </p:style>
+        <p:txBody>
+          <a:bodyPr rtlCol="0" anchor="ctr"/>
+          <a:lstStyle/>
+          <a:p>
+            <a:pPr algn="ctr"/>
+            <a:endParaRPr lang="fr-FR"/>
+          </a:p>
+        </p:txBody>
+      </p:sp>
+      <p:sp>
+        <p:nvSpPr>
+          <p:cNvPr id="13" name="Espace réservé du contenu 9"/>
           <p:cNvSpPr txBox="1">
-            <a:spLocks noGrp="1"/>
-          </p:cNvSpPr>
-          <p:nvPr>
-            <p:ph idx="1"/>
-          </p:nvPr>
+            <a:spLocks/>
+          </p:cNvSpPr>
+          <p:nvPr/>
         </p:nvSpPr>
         <p:spPr>
+          <a:xfrm>
+            <a:off x="558802" y="3426255"/>
+            <a:ext cx="6299198" cy="997486"/>
+          </a:xfrm>
           <a:prstGeom prst="rect">
             <a:avLst/>
           </a:prstGeom>
         </p:spPr>
         <p:txBody>
           <a:bodyPr vert="horz" lIns="91440" tIns="45720" rIns="91440" bIns="45720" rtlCol="0">
-            <a:normAutofit/>
+            <a:noAutofit/>
           </a:bodyPr>
           <a:lstStyle>
             <a:lvl1pPr marL="361950" indent="-361950" algn="l" defTabSz="756026" rtl="0" eaLnBrk="1" latinLnBrk="0" hangingPunct="1">
@@ -3939,129 +5452,87 @@
             </a:lvl9pPr>
           </a:lstStyle>
           <a:p>
-            <a:pPr marL="342900" indent="-342900">
+            <a:pPr>
               <a:lnSpc>
-                <a:spcPct val="100000"/>
+                <a:spcPct val="150000"/>
               </a:lnSpc>
-              <a:buClr>
-                <a:srgbClr val="000000"/>
-              </a:buClr>
             </a:pPr>
             <a:r>
-              <a:rPr lang="fr-FR" sz="2000" dirty="0"/>
-              <a:t>Création d’un SPA permettant de visionner un graphe des dépendances d’un package </a:t>
-            </a:r>
-            <a:r>
-              <a:rPr lang="fr-FR" sz="2000" dirty="0" err="1"/>
-              <a:t>Nuget</a:t>
-            </a:r>
-            <a:r>
-              <a:rPr lang="fr-FR" sz="2000" dirty="0"/>
-              <a:t> et un récapitulatif des problèmes concernant ces mêmes dépendances.</a:t>
-            </a:r>
-          </a:p>
-          <a:p>
-            <a:pPr marL="0" indent="0">
+              <a:rPr lang="fr-FR" sz="1600" dirty="0"/>
+              <a:t>Permettre à l’utilisateur de visionner le graphe des dépendances d’un package </a:t>
+            </a:r>
+            <a:r>
+              <a:rPr lang="fr-FR" sz="1600" dirty="0" err="1"/>
+              <a:t>NuGet</a:t>
+            </a:r>
+            <a:r>
+              <a:rPr lang="fr-FR" sz="1600" dirty="0"/>
+              <a:t> :</a:t>
+            </a:r>
+          </a:p>
+          <a:p>
+            <a:pPr lvl="1">
               <a:lnSpc>
-                <a:spcPct val="100000"/>
+                <a:spcPct val="150000"/>
               </a:lnSpc>
-              <a:buClr>
-                <a:srgbClr val="000000"/>
-              </a:buClr>
-              <a:buNone/>
             </a:pPr>
-            <a:endParaRPr lang="fr-FR" sz="2000" dirty="0"/>
-          </a:p>
-          <a:p>
-            <a:pPr marL="342900" indent="-342900">
-              <a:lnSpc>
-                <a:spcPct val="100000"/>
-              </a:lnSpc>
-              <a:buClr>
-                <a:srgbClr val="000000"/>
-              </a:buClr>
-            </a:pPr>
-            <a:r>
-              <a:rPr lang="fr-FR" sz="2000" dirty="0"/>
-              <a:t>Le site affichera diverses informations concernant le package </a:t>
-            </a:r>
-            <a:r>
-              <a:rPr lang="fr-FR" sz="2000" dirty="0" err="1"/>
-              <a:t>Nuget</a:t>
-            </a:r>
-            <a:r>
-              <a:rPr lang="fr-FR" sz="2000" dirty="0"/>
-              <a:t> et sa version sélectionnée.</a:t>
-            </a:r>
-          </a:p>
-          <a:p>
-            <a:pPr marL="0" indent="0">
-              <a:lnSpc>
-                <a:spcPct val="100000"/>
-              </a:lnSpc>
-              <a:buClr>
-                <a:srgbClr val="000000"/>
-              </a:buClr>
-              <a:buNone/>
-            </a:pPr>
-            <a:endParaRPr lang="fr-FR" sz="2000" dirty="0"/>
-          </a:p>
-          <a:p>
-            <a:pPr marL="342900" indent="-342900">
-              <a:lnSpc>
-                <a:spcPct val="100000"/>
-              </a:lnSpc>
-              <a:buClr>
-                <a:srgbClr val="000000"/>
-              </a:buClr>
-            </a:pPr>
-            <a:r>
-              <a:rPr lang="fr-FR" sz="2000" dirty="0"/>
-              <a:t>L’utilisateur aura la possibilité de se connecter avec ses identifiants </a:t>
-            </a:r>
-            <a:r>
-              <a:rPr lang="fr-FR" sz="2000" dirty="0" err="1"/>
-              <a:t>Github</a:t>
-            </a:r>
-            <a:r>
-              <a:rPr lang="fr-FR" sz="2000" dirty="0"/>
-              <a:t> pour accéder à ses packages favoris et ceux récemment vus.</a:t>
-            </a:r>
-          </a:p>
-          <a:p>
-            <a:pPr marL="360" indent="0">
-              <a:buNone/>
-            </a:pPr>
-            <a:endParaRPr lang="fr-FR" sz="2000" dirty="0">
-              <a:solidFill>
-                <a:srgbClr val="000000"/>
-              </a:solidFill>
-            </a:endParaRPr>
-          </a:p>
-        </p:txBody>
-      </p:sp>
-      <p:sp>
-        <p:nvSpPr>
-          <p:cNvPr id="3" name="Rectangle 2"/>
+            <a:r>
+              <a:rPr lang="fr-FR" sz="1600" dirty="0"/>
+              <a:t>Objectif </a:t>
+            </a:r>
+            <a:r>
+              <a:rPr lang="fr-FR" sz="1600" dirty="0" smtClean="0"/>
+              <a:t> globalement atteint </a:t>
+            </a:r>
+            <a:r>
+              <a:rPr lang="fr-FR" sz="1600" dirty="0"/>
+              <a:t>: L’utilisateur peut visualiser le graphe de n’importe quelle package </a:t>
+            </a:r>
+            <a:r>
+              <a:rPr lang="fr-FR" sz="1600" dirty="0" err="1"/>
+              <a:t>NuGet</a:t>
+            </a:r>
+            <a:r>
+              <a:rPr lang="fr-FR" sz="1600" dirty="0"/>
+              <a:t>. Il reste cependant des améliorations à </a:t>
+            </a:r>
+            <a:r>
+              <a:rPr lang="fr-FR" sz="1600" dirty="0" smtClean="0"/>
+              <a:t>ajouter au graphe</a:t>
+            </a:r>
+            <a:endParaRPr lang="fr-FR" sz="1600" dirty="0"/>
+          </a:p>
+        </p:txBody>
+      </p:sp>
+      <p:sp>
+        <p:nvSpPr>
+          <p:cNvPr id="14" name="Ellipse 13"/>
           <p:cNvSpPr/>
           <p:nvPr/>
         </p:nvSpPr>
         <p:spPr>
           <a:xfrm>
-            <a:off x="573437" y="2041045"/>
-            <a:ext cx="464949" cy="470529"/>
+            <a:off x="6858000" y="3924998"/>
+            <a:ext cx="488949" cy="503994"/>
           </a:xfrm>
-          <a:prstGeom prst="rect">
+          <a:prstGeom prst="ellipse">
             <a:avLst/>
           </a:prstGeom>
           <a:solidFill>
-            <a:srgbClr val="92D050"/>
+            <a:srgbClr val="90AC04"/>
           </a:solidFill>
           <a:ln>
             <a:solidFill>
-              <a:schemeClr val="tx1"/>
+              <a:srgbClr val="014B38"/>
             </a:solidFill>
           </a:ln>
+          <a:scene3d>
+            <a:camera prst="orthographicFront"/>
+            <a:lightRig rig="threePt" dir="t"/>
+          </a:scene3d>
+          <a:sp3d>
+            <a:bevelT w="152400" h="50800" prst="softRound"/>
+          </a:sp3d>
         </p:spPr>
         <p:style>
           <a:lnRef idx="2">
@@ -4088,28 +5559,223 @@
           </a:p>
         </p:txBody>
       </p:sp>
-      <p:sp>
-        <p:nvSpPr>
-          <p:cNvPr id="8" name="Rectangle 7"/>
+    </p:spTree>
+    <p:extLst>
+      <p:ext uri="{BB962C8B-B14F-4D97-AF65-F5344CB8AC3E}">
+        <p14:creationId xmlns:p14="http://schemas.microsoft.com/office/powerpoint/2010/main" val="2106739983"/>
+      </p:ext>
+    </p:extLst>
+  </p:cSld>
+  <p:clrMapOvr>
+    <a:masterClrMapping/>
+  </p:clrMapOvr>
+</p:sld>
+</file>
+
+<file path=ppt/slides/slide6.xml><?xml version="1.0" encoding="utf-8"?>
+<p:sld xmlns:a="http://schemas.openxmlformats.org/drawingml/2006/main" xmlns:r="http://schemas.openxmlformats.org/officeDocument/2006/relationships" xmlns:p="http://schemas.openxmlformats.org/presentationml/2006/main">
+  <p:cSld>
+    <p:spTree>
+      <p:nvGrpSpPr>
+        <p:cNvPr id="1" name=""/>
+        <p:cNvGrpSpPr/>
+        <p:nvPr/>
+      </p:nvGrpSpPr>
+      <p:grpSpPr>
+        <a:xfrm>
+          <a:off x="0" y="0"/>
+          <a:ext cx="0" cy="0"/>
+          <a:chOff x="0" y="0"/>
+          <a:chExt cx="0" cy="0"/>
+        </a:xfrm>
+      </p:grpSpPr>
+      <p:sp>
+        <p:nvSpPr>
+          <p:cNvPr id="2" name="Titre 1"/>
+          <p:cNvSpPr>
+            <a:spLocks noGrp="1"/>
+          </p:cNvSpPr>
+          <p:nvPr>
+            <p:ph type="title"/>
+          </p:nvPr>
+        </p:nvSpPr>
+        <p:spPr/>
+        <p:txBody>
+          <a:bodyPr/>
+          <a:lstStyle/>
+          <a:p>
+            <a:r>
+              <a:rPr lang="fr-FR" dirty="0"/>
+              <a:t>	</a:t>
+            </a:r>
+            <a:r>
+              <a:rPr lang="fr-FR" dirty="0" smtClean="0"/>
+              <a:t>Nos objectifs </a:t>
+            </a:r>
+            <a:r>
+              <a:rPr lang="fr-FR" dirty="0"/>
+              <a:t>atteints</a:t>
+            </a:r>
+          </a:p>
+        </p:txBody>
+      </p:sp>
+      <p:sp>
+        <p:nvSpPr>
+          <p:cNvPr id="4" name="Espace réservé de la date 3"/>
+          <p:cNvSpPr>
+            <a:spLocks noGrp="1"/>
+          </p:cNvSpPr>
+          <p:nvPr>
+            <p:ph type="dt" sz="half" idx="10"/>
+          </p:nvPr>
+        </p:nvSpPr>
+        <p:spPr/>
+        <p:txBody>
+          <a:bodyPr/>
+          <a:lstStyle/>
+          <a:p>
+            <a:fld id="{9905D2EB-A0C9-4269-BED7-F488BFFF1574}" type="datetime1">
+              <a:rPr lang="fr-FR" smtClean="0"/>
+              <a:pPr/>
+              <a:t>23/01/2017</a:t>
+            </a:fld>
+            <a:endParaRPr lang="fr-FR" dirty="0"/>
+          </a:p>
+        </p:txBody>
+      </p:sp>
+      <p:sp>
+        <p:nvSpPr>
+          <p:cNvPr id="5" name="Espace réservé du pied de page 4"/>
+          <p:cNvSpPr>
+            <a:spLocks noGrp="1"/>
+          </p:cNvSpPr>
+          <p:nvPr>
+            <p:ph type="ftr" sz="quarter" idx="11"/>
+          </p:nvPr>
+        </p:nvSpPr>
+        <p:spPr/>
+        <p:txBody>
+          <a:bodyPr/>
+          <a:lstStyle/>
+          <a:p>
+            <a:r>
+              <a:rPr lang="fr-FR" dirty="0"/>
+              <a:t>Galt – PI S5 IL – Itération 3</a:t>
+            </a:r>
+          </a:p>
+        </p:txBody>
+      </p:sp>
+      <p:sp>
+        <p:nvSpPr>
+          <p:cNvPr id="6" name="Espace réservé du numéro de diapositive 5"/>
+          <p:cNvSpPr>
+            <a:spLocks noGrp="1"/>
+          </p:cNvSpPr>
+          <p:nvPr>
+            <p:ph type="sldNum" sz="quarter" idx="12"/>
+          </p:nvPr>
+        </p:nvSpPr>
+        <p:spPr/>
+        <p:txBody>
+          <a:bodyPr/>
+          <a:lstStyle/>
+          <a:p>
+            <a:fld id="{CE35DAD6-85E4-415C-A280-4771D4FE3E59}" type="slidenum">
+              <a:rPr lang="fr-FR" smtClean="0"/>
+              <a:pPr/>
+              <a:t>6</a:t>
+            </a:fld>
+            <a:endParaRPr lang="fr-FR" dirty="0"/>
+          </a:p>
+        </p:txBody>
+      </p:sp>
+      <p:sp>
+        <p:nvSpPr>
+          <p:cNvPr id="10" name="Espace réservé du contenu 9"/>
+          <p:cNvSpPr>
+            <a:spLocks noGrp="1"/>
+          </p:cNvSpPr>
+          <p:nvPr>
+            <p:ph idx="1"/>
+          </p:nvPr>
+        </p:nvSpPr>
+        <p:spPr>
+          <a:xfrm>
+            <a:off x="558800" y="2012414"/>
+            <a:ext cx="6146799" cy="1200686"/>
+          </a:xfrm>
+        </p:spPr>
+        <p:txBody>
+          <a:bodyPr>
+            <a:normAutofit fontScale="92500" lnSpcReduction="10000"/>
+          </a:bodyPr>
+          <a:lstStyle/>
+          <a:p>
+            <a:pPr marL="342900" indent="-342900">
+              <a:lnSpc>
+                <a:spcPct val="110000"/>
+              </a:lnSpc>
+              <a:buClr>
+                <a:srgbClr val="000000"/>
+              </a:buClr>
+            </a:pPr>
+            <a:r>
+              <a:rPr lang="fr-FR" sz="1700" dirty="0"/>
+              <a:t>Permettre à l’utilisateur d’avoir un récapitulatif des problèmes concernant ces mêmes </a:t>
+            </a:r>
+            <a:r>
+              <a:rPr lang="fr-FR" sz="1700" dirty="0" smtClean="0"/>
+              <a:t>dépendances :</a:t>
+            </a:r>
+            <a:endParaRPr lang="fr-FR" sz="1700" dirty="0"/>
+          </a:p>
+          <a:p>
+            <a:pPr lvl="1">
+              <a:lnSpc>
+                <a:spcPct val="110000"/>
+              </a:lnSpc>
+            </a:pPr>
+            <a:r>
+              <a:rPr lang="fr-FR" sz="1700" dirty="0" smtClean="0"/>
+              <a:t>Objectif atteint : L’utilisateur est informé des conflits de versions et des nouvelles versions disponibles</a:t>
+            </a:r>
+            <a:endParaRPr lang="fr-FR" sz="1700" dirty="0"/>
+          </a:p>
+          <a:p>
+            <a:pPr lvl="1"/>
+            <a:endParaRPr lang="fr-FR" sz="1700" dirty="0" smtClean="0"/>
+          </a:p>
+        </p:txBody>
+      </p:sp>
+      <p:sp>
+        <p:nvSpPr>
+          <p:cNvPr id="11" name="Ellipse 10"/>
           <p:cNvSpPr/>
           <p:nvPr/>
         </p:nvSpPr>
         <p:spPr>
           <a:xfrm>
-            <a:off x="573435" y="3476128"/>
-            <a:ext cx="464949" cy="470529"/>
+            <a:off x="6857999" y="2259160"/>
+            <a:ext cx="488949" cy="503994"/>
           </a:xfrm>
-          <a:prstGeom prst="rect">
+          <a:prstGeom prst="ellipse">
             <a:avLst/>
           </a:prstGeom>
           <a:solidFill>
-            <a:srgbClr val="92D050"/>
+            <a:srgbClr val="02AE2B"/>
           </a:solidFill>
           <a:ln>
             <a:solidFill>
-              <a:schemeClr val="tx1"/>
+              <a:srgbClr val="014B38"/>
             </a:solidFill>
           </a:ln>
+          <a:scene3d>
+            <a:camera prst="orthographicFront"/>
+            <a:lightRig rig="threePt" dir="t"/>
+          </a:scene3d>
+          <a:sp3d>
+            <a:bevelT w="152400" h="50800" prst="softRound"/>
+          </a:sp3d>
         </p:spPr>
         <p:style>
           <a:lnRef idx="2">
@@ -4138,26 +5804,301 @@
       </p:sp>
       <p:sp>
         <p:nvSpPr>
-          <p:cNvPr id="9" name="Rectangle 8"/>
-          <p:cNvSpPr/>
+          <p:cNvPr id="13" name="Espace réservé du contenu 9"/>
+          <p:cNvSpPr txBox="1">
+            <a:spLocks/>
+          </p:cNvSpPr>
           <p:nvPr/>
         </p:nvSpPr>
         <p:spPr>
           <a:xfrm>
-            <a:off x="573435" y="4641705"/>
-            <a:ext cx="464949" cy="470529"/>
+            <a:off x="558802" y="3426255"/>
+            <a:ext cx="6299197" cy="997486"/>
           </a:xfrm>
           <a:prstGeom prst="rect">
             <a:avLst/>
           </a:prstGeom>
+        </p:spPr>
+        <p:txBody>
+          <a:bodyPr vert="horz" lIns="91440" tIns="45720" rIns="91440" bIns="45720" rtlCol="0">
+            <a:noAutofit/>
+          </a:bodyPr>
+          <a:lstStyle>
+            <a:lvl1pPr marL="361950" indent="-361950" algn="l" defTabSz="756026" rtl="0" eaLnBrk="1" latinLnBrk="0" hangingPunct="1">
+              <a:lnSpc>
+                <a:spcPct val="200000"/>
+              </a:lnSpc>
+              <a:spcBef>
+                <a:spcPts val="827"/>
+              </a:spcBef>
+              <a:buSzPct val="120000"/>
+              <a:buFontTx/>
+              <a:buBlip>
+                <a:blip r:embed="rId3"/>
+              </a:buBlip>
+              <a:defRPr lang="fr-FR" sz="1800" strike="noStrike" kern="1200" spc="-1" dirty="0" smtClean="0">
+                <a:solidFill>
+                  <a:schemeClr val="accent5">
+                    <a:lumMod val="50000"/>
+                  </a:schemeClr>
+                </a:solidFill>
+                <a:uFill>
+                  <a:solidFill>
+                    <a:srgbClr val="FFFFFF"/>
+                  </a:solidFill>
+                </a:uFill>
+                <a:latin typeface="Leelawadee" panose="020B0502040204020203" pitchFamily="34" charset="-34"/>
+                <a:ea typeface="+mn-ea"/>
+                <a:cs typeface="Leelawadee" panose="020B0502040204020203" pitchFamily="34" charset="-34"/>
+              </a:defRPr>
+            </a:lvl1pPr>
+            <a:lvl2pPr marL="567019" indent="-189006" algn="l" defTabSz="756026" rtl="0" eaLnBrk="1" latinLnBrk="0" hangingPunct="1">
+              <a:lnSpc>
+                <a:spcPct val="90000"/>
+              </a:lnSpc>
+              <a:spcBef>
+                <a:spcPts val="413"/>
+              </a:spcBef>
+              <a:buFont typeface="Arial" panose="020B0604020202020204" pitchFamily="34" charset="0"/>
+              <a:buChar char="•"/>
+              <a:defRPr lang="fr-FR" sz="1800" strike="noStrike" kern="1200" spc="-1" dirty="0" smtClean="0">
+                <a:solidFill>
+                  <a:schemeClr val="accent5">
+                    <a:lumMod val="50000"/>
+                  </a:schemeClr>
+                </a:solidFill>
+                <a:uFill>
+                  <a:solidFill>
+                    <a:srgbClr val="FFFFFF"/>
+                  </a:solidFill>
+                </a:uFill>
+                <a:latin typeface="Leelawadee" panose="020B0502040204020203" pitchFamily="34" charset="-34"/>
+                <a:ea typeface="+mn-ea"/>
+                <a:cs typeface="Leelawadee" panose="020B0502040204020203" pitchFamily="34" charset="-34"/>
+              </a:defRPr>
+            </a:lvl2pPr>
+            <a:lvl3pPr marL="945032" indent="-189006" algn="l" defTabSz="756026" rtl="0" eaLnBrk="1" latinLnBrk="0" hangingPunct="1">
+              <a:lnSpc>
+                <a:spcPct val="90000"/>
+              </a:lnSpc>
+              <a:spcBef>
+                <a:spcPts val="413"/>
+              </a:spcBef>
+              <a:buFont typeface="Arial" panose="020B0604020202020204" pitchFamily="34" charset="0"/>
+              <a:buChar char="•"/>
+              <a:defRPr lang="fr-FR" sz="1800" strike="noStrike" kern="1200" spc="-1" dirty="0" smtClean="0">
+                <a:solidFill>
+                  <a:schemeClr val="accent5">
+                    <a:lumMod val="50000"/>
+                  </a:schemeClr>
+                </a:solidFill>
+                <a:uFill>
+                  <a:solidFill>
+                    <a:srgbClr val="FFFFFF"/>
+                  </a:solidFill>
+                </a:uFill>
+                <a:latin typeface="Leelawadee" panose="020B0502040204020203" pitchFamily="34" charset="-34"/>
+                <a:ea typeface="+mn-ea"/>
+                <a:cs typeface="Leelawadee" panose="020B0502040204020203" pitchFamily="34" charset="-34"/>
+              </a:defRPr>
+            </a:lvl3pPr>
+            <a:lvl4pPr marL="1323045" indent="-189006" algn="l" defTabSz="756026" rtl="0" eaLnBrk="1" latinLnBrk="0" hangingPunct="1">
+              <a:lnSpc>
+                <a:spcPct val="90000"/>
+              </a:lnSpc>
+              <a:spcBef>
+                <a:spcPts val="413"/>
+              </a:spcBef>
+              <a:buFont typeface="Arial" panose="020B0604020202020204" pitchFamily="34" charset="0"/>
+              <a:buChar char="•"/>
+              <a:defRPr lang="fr-FR" sz="1800" strike="noStrike" kern="1200" spc="-1" dirty="0" smtClean="0">
+                <a:solidFill>
+                  <a:schemeClr val="accent5">
+                    <a:lumMod val="50000"/>
+                  </a:schemeClr>
+                </a:solidFill>
+                <a:uFill>
+                  <a:solidFill>
+                    <a:srgbClr val="FFFFFF"/>
+                  </a:solidFill>
+                </a:uFill>
+                <a:latin typeface="Leelawadee" panose="020B0502040204020203" pitchFamily="34" charset="-34"/>
+                <a:ea typeface="+mn-ea"/>
+                <a:cs typeface="Leelawadee" panose="020B0502040204020203" pitchFamily="34" charset="-34"/>
+              </a:defRPr>
+            </a:lvl4pPr>
+            <a:lvl5pPr marL="1701058" indent="-189006" algn="l" defTabSz="756026" rtl="0" eaLnBrk="1" latinLnBrk="0" hangingPunct="1">
+              <a:lnSpc>
+                <a:spcPct val="90000"/>
+              </a:lnSpc>
+              <a:spcBef>
+                <a:spcPts val="413"/>
+              </a:spcBef>
+              <a:buFont typeface="Arial" panose="020B0604020202020204" pitchFamily="34" charset="0"/>
+              <a:buChar char="•"/>
+              <a:defRPr lang="fr-FR" sz="1800" strike="noStrike" kern="1200" spc="-1" dirty="0">
+                <a:solidFill>
+                  <a:schemeClr val="accent5">
+                    <a:lumMod val="50000"/>
+                  </a:schemeClr>
+                </a:solidFill>
+                <a:uFill>
+                  <a:solidFill>
+                    <a:srgbClr val="FFFFFF"/>
+                  </a:solidFill>
+                </a:uFill>
+                <a:latin typeface="Leelawadee" panose="020B0502040204020203" pitchFamily="34" charset="-34"/>
+                <a:ea typeface="+mn-ea"/>
+                <a:cs typeface="Leelawadee" panose="020B0502040204020203" pitchFamily="34" charset="-34"/>
+              </a:defRPr>
+            </a:lvl5pPr>
+            <a:lvl6pPr marL="2079071" indent="-189006" algn="l" defTabSz="756026" rtl="0" eaLnBrk="1" latinLnBrk="0" hangingPunct="1">
+              <a:lnSpc>
+                <a:spcPct val="90000"/>
+              </a:lnSpc>
+              <a:spcBef>
+                <a:spcPts val="413"/>
+              </a:spcBef>
+              <a:buFont typeface="Arial" panose="020B0604020202020204" pitchFamily="34" charset="0"/>
+              <a:buChar char="•"/>
+              <a:defRPr sz="1488" kern="1200">
+                <a:solidFill>
+                  <a:schemeClr val="tx1"/>
+                </a:solidFill>
+                <a:latin typeface="+mn-lt"/>
+                <a:ea typeface="+mn-ea"/>
+                <a:cs typeface="+mn-cs"/>
+              </a:defRPr>
+            </a:lvl6pPr>
+            <a:lvl7pPr marL="2457084" indent="-189006" algn="l" defTabSz="756026" rtl="0" eaLnBrk="1" latinLnBrk="0" hangingPunct="1">
+              <a:lnSpc>
+                <a:spcPct val="90000"/>
+              </a:lnSpc>
+              <a:spcBef>
+                <a:spcPts val="413"/>
+              </a:spcBef>
+              <a:buFont typeface="Arial" panose="020B0604020202020204" pitchFamily="34" charset="0"/>
+              <a:buChar char="•"/>
+              <a:defRPr sz="1488" kern="1200">
+                <a:solidFill>
+                  <a:schemeClr val="tx1"/>
+                </a:solidFill>
+                <a:latin typeface="+mn-lt"/>
+                <a:ea typeface="+mn-ea"/>
+                <a:cs typeface="+mn-cs"/>
+              </a:defRPr>
+            </a:lvl7pPr>
+            <a:lvl8pPr marL="2835097" indent="-189006" algn="l" defTabSz="756026" rtl="0" eaLnBrk="1" latinLnBrk="0" hangingPunct="1">
+              <a:lnSpc>
+                <a:spcPct val="90000"/>
+              </a:lnSpc>
+              <a:spcBef>
+                <a:spcPts val="413"/>
+              </a:spcBef>
+              <a:buFont typeface="Arial" panose="020B0604020202020204" pitchFamily="34" charset="0"/>
+              <a:buChar char="•"/>
+              <a:defRPr sz="1488" kern="1200">
+                <a:solidFill>
+                  <a:schemeClr val="tx1"/>
+                </a:solidFill>
+                <a:latin typeface="+mn-lt"/>
+                <a:ea typeface="+mn-ea"/>
+                <a:cs typeface="+mn-cs"/>
+              </a:defRPr>
+            </a:lvl8pPr>
+            <a:lvl9pPr marL="3213110" indent="-189006" algn="l" defTabSz="756026" rtl="0" eaLnBrk="1" latinLnBrk="0" hangingPunct="1">
+              <a:lnSpc>
+                <a:spcPct val="90000"/>
+              </a:lnSpc>
+              <a:spcBef>
+                <a:spcPts val="413"/>
+              </a:spcBef>
+              <a:buFont typeface="Arial" panose="020B0604020202020204" pitchFamily="34" charset="0"/>
+              <a:buChar char="•"/>
+              <a:defRPr sz="1488" kern="1200">
+                <a:solidFill>
+                  <a:schemeClr val="tx1"/>
+                </a:solidFill>
+                <a:latin typeface="+mn-lt"/>
+                <a:ea typeface="+mn-ea"/>
+                <a:cs typeface="+mn-cs"/>
+              </a:defRPr>
+            </a:lvl9pPr>
+          </a:lstStyle>
+          <a:p>
+            <a:pPr marL="342900" indent="-342900">
+              <a:lnSpc>
+                <a:spcPct val="100000"/>
+              </a:lnSpc>
+              <a:buClr>
+                <a:srgbClr val="000000"/>
+              </a:buClr>
+            </a:pPr>
+            <a:r>
+              <a:rPr lang="fr-FR" sz="1600" dirty="0"/>
+              <a:t>Permettre à l’utilisateur de changer de version du package </a:t>
+            </a:r>
+            <a:r>
+              <a:rPr lang="fr-FR" sz="1600" dirty="0" err="1" smtClean="0"/>
+              <a:t>NuGet</a:t>
+            </a:r>
+            <a:r>
+              <a:rPr lang="fr-FR" sz="1600" dirty="0" smtClean="0"/>
+              <a:t> :</a:t>
+            </a:r>
+            <a:endParaRPr lang="fr-FR" sz="1600" dirty="0"/>
+          </a:p>
+          <a:p>
+            <a:pPr lvl="1">
+              <a:lnSpc>
+                <a:spcPct val="150000"/>
+              </a:lnSpc>
+            </a:pPr>
+            <a:r>
+              <a:rPr lang="fr-FR" sz="1600" dirty="0" smtClean="0"/>
+              <a:t>Objectif </a:t>
+            </a:r>
+            <a:r>
+              <a:rPr lang="fr-FR" sz="1600" dirty="0"/>
+              <a:t>atteint : L’utilisateur </a:t>
+            </a:r>
+            <a:r>
+              <a:rPr lang="fr-FR" sz="1600" dirty="0" smtClean="0"/>
+              <a:t>peut changer de version et obtenir les informations de n’importe quelle version d’un package</a:t>
+            </a:r>
+            <a:endParaRPr lang="fr-FR" sz="1600" dirty="0"/>
+          </a:p>
+        </p:txBody>
+      </p:sp>
+      <p:sp>
+        <p:nvSpPr>
+          <p:cNvPr id="14" name="Ellipse 13"/>
+          <p:cNvSpPr/>
+          <p:nvPr/>
+        </p:nvSpPr>
+        <p:spPr>
+          <a:xfrm>
+            <a:off x="6858000" y="3924998"/>
+            <a:ext cx="488949" cy="503994"/>
+          </a:xfrm>
+          <a:prstGeom prst="ellipse">
+            <a:avLst/>
+          </a:prstGeom>
           <a:solidFill>
-            <a:srgbClr val="92D050"/>
+            <a:srgbClr val="02AE2B"/>
           </a:solidFill>
           <a:ln>
             <a:solidFill>
-              <a:schemeClr val="tx1"/>
+              <a:srgbClr val="014B38"/>
             </a:solidFill>
           </a:ln>
+          <a:scene3d>
+            <a:camera prst="orthographicFront"/>
+            <a:lightRig rig="threePt" dir="t"/>
+          </a:scene3d>
+          <a:sp3d>
+            <a:bevelT w="152400" h="50800" prst="softRound"/>
+          </a:sp3d>
         </p:spPr>
         <p:style>
           <a:lnRef idx="2">
@@ -4187,7 +6128,7 @@
     </p:spTree>
     <p:extLst>
       <p:ext uri="{BB962C8B-B14F-4D97-AF65-F5344CB8AC3E}">
-        <p14:creationId xmlns:p14="http://schemas.microsoft.com/office/powerpoint/2010/main" val="2106739983"/>
+        <p14:creationId xmlns:p14="http://schemas.microsoft.com/office/powerpoint/2010/main" val="3467916100"/>
       </p:ext>
     </p:extLst>
   </p:cSld>
@@ -4197,7 +6138,7 @@
 </p:sld>
 </file>
 
-<file path=ppt/slides/slide5.xml><?xml version="1.0" encoding="utf-8"?>
+<file path=ppt/slides/slide7.xml><?xml version="1.0" encoding="utf-8"?>
 <p:sld xmlns:a="http://schemas.openxmlformats.org/drawingml/2006/main" xmlns:r="http://schemas.openxmlformats.org/officeDocument/2006/relationships" xmlns:p="http://schemas.openxmlformats.org/presentationml/2006/main">
   <p:cSld>
     <p:spTree>
@@ -4216,81 +6157,673 @@
       </p:grpSpPr>
       <p:sp>
         <p:nvSpPr>
-          <p:cNvPr id="10" name="ZoneTexte 9"/>
-          <p:cNvSpPr txBox="1"/>
-          <p:nvPr/>
+          <p:cNvPr id="2" name="Titre 1"/>
+          <p:cNvSpPr>
+            <a:spLocks noGrp="1"/>
+          </p:cNvSpPr>
+          <p:nvPr>
+            <p:ph type="title"/>
+          </p:nvPr>
+        </p:nvSpPr>
+        <p:spPr/>
+        <p:txBody>
+          <a:bodyPr/>
+          <a:lstStyle/>
+          <a:p>
+            <a:r>
+              <a:rPr lang="fr-FR" dirty="0"/>
+              <a:t>	</a:t>
+            </a:r>
+            <a:r>
+              <a:rPr lang="fr-FR" dirty="0" smtClean="0"/>
+              <a:t>Nos objectifs </a:t>
+            </a:r>
+            <a:r>
+              <a:rPr lang="fr-FR" dirty="0"/>
+              <a:t>atteints</a:t>
+            </a:r>
+          </a:p>
+        </p:txBody>
+      </p:sp>
+      <p:sp>
+        <p:nvSpPr>
+          <p:cNvPr id="4" name="Espace réservé de la date 3"/>
+          <p:cNvSpPr>
+            <a:spLocks noGrp="1"/>
+          </p:cNvSpPr>
+          <p:nvPr>
+            <p:ph type="dt" sz="half" idx="10"/>
+          </p:nvPr>
+        </p:nvSpPr>
+        <p:spPr/>
+        <p:txBody>
+          <a:bodyPr/>
+          <a:lstStyle/>
+          <a:p>
+            <a:fld id="{9905D2EB-A0C9-4269-BED7-F488BFFF1574}" type="datetime1">
+              <a:rPr lang="fr-FR" smtClean="0"/>
+              <a:pPr/>
+              <a:t>23/01/2017</a:t>
+            </a:fld>
+            <a:endParaRPr lang="fr-FR" dirty="0"/>
+          </a:p>
+        </p:txBody>
+      </p:sp>
+      <p:sp>
+        <p:nvSpPr>
+          <p:cNvPr id="5" name="Espace réservé du pied de page 4"/>
+          <p:cNvSpPr>
+            <a:spLocks noGrp="1"/>
+          </p:cNvSpPr>
+          <p:nvPr>
+            <p:ph type="ftr" sz="quarter" idx="11"/>
+          </p:nvPr>
+        </p:nvSpPr>
+        <p:spPr/>
+        <p:txBody>
+          <a:bodyPr/>
+          <a:lstStyle/>
+          <a:p>
+            <a:r>
+              <a:rPr lang="fr-FR" dirty="0"/>
+              <a:t>Galt – PI S5 IL – Itération 3</a:t>
+            </a:r>
+          </a:p>
+        </p:txBody>
+      </p:sp>
+      <p:sp>
+        <p:nvSpPr>
+          <p:cNvPr id="6" name="Espace réservé du numéro de diapositive 5"/>
+          <p:cNvSpPr>
+            <a:spLocks noGrp="1"/>
+          </p:cNvSpPr>
+          <p:nvPr>
+            <p:ph type="sldNum" sz="quarter" idx="12"/>
+          </p:nvPr>
+        </p:nvSpPr>
+        <p:spPr/>
+        <p:txBody>
+          <a:bodyPr/>
+          <a:lstStyle/>
+          <a:p>
+            <a:fld id="{CE35DAD6-85E4-415C-A280-4771D4FE3E59}" type="slidenum">
+              <a:rPr lang="fr-FR" smtClean="0"/>
+              <a:pPr/>
+              <a:t>7</a:t>
+            </a:fld>
+            <a:endParaRPr lang="fr-FR" dirty="0"/>
+          </a:p>
+        </p:txBody>
+      </p:sp>
+      <p:sp>
+        <p:nvSpPr>
+          <p:cNvPr id="10" name="Espace réservé du contenu 9"/>
+          <p:cNvSpPr>
+            <a:spLocks noGrp="1"/>
+          </p:cNvSpPr>
+          <p:nvPr>
+            <p:ph idx="1"/>
+          </p:nvPr>
         </p:nvSpPr>
         <p:spPr>
           <a:xfrm>
-            <a:off x="2997199" y="470812"/>
-            <a:ext cx="4114800" cy="6468290"/>
+            <a:off x="558800" y="2012414"/>
+            <a:ext cx="6146799" cy="1200686"/>
+          </a:xfrm>
+        </p:spPr>
+        <p:txBody>
+          <a:bodyPr>
+            <a:normAutofit/>
+          </a:bodyPr>
+          <a:lstStyle/>
+          <a:p>
+            <a:pPr marL="342900" indent="-342900">
+              <a:lnSpc>
+                <a:spcPct val="100000"/>
+              </a:lnSpc>
+              <a:buClr>
+                <a:srgbClr val="000000"/>
+              </a:buClr>
+            </a:pPr>
+            <a:r>
+              <a:rPr lang="fr-FR" sz="1600" dirty="0"/>
+              <a:t>Permettre à l’utilisateur de se connecter via </a:t>
+            </a:r>
+            <a:r>
+              <a:rPr lang="fr-FR" sz="1600" dirty="0" smtClean="0"/>
+              <a:t>GitHub :</a:t>
+            </a:r>
+            <a:endParaRPr lang="fr-FR" sz="1600" dirty="0"/>
+          </a:p>
+          <a:p>
+            <a:pPr lvl="1">
+              <a:lnSpc>
+                <a:spcPct val="110000"/>
+              </a:lnSpc>
+            </a:pPr>
+            <a:r>
+              <a:rPr lang="fr-FR" sz="1600" dirty="0" smtClean="0"/>
+              <a:t>Objectif atteint : L’utilisateur peut se connecter via son compte GitHub</a:t>
+            </a:r>
+            <a:endParaRPr lang="fr-FR" sz="1600" dirty="0"/>
+          </a:p>
+          <a:p>
+            <a:pPr lvl="1"/>
+            <a:endParaRPr lang="fr-FR" sz="1700" dirty="0" smtClean="0"/>
+          </a:p>
+        </p:txBody>
+      </p:sp>
+      <p:sp>
+        <p:nvSpPr>
+          <p:cNvPr id="11" name="Ellipse 10"/>
+          <p:cNvSpPr/>
+          <p:nvPr/>
+        </p:nvSpPr>
+        <p:spPr>
+          <a:xfrm>
+            <a:off x="6857999" y="2259160"/>
+            <a:ext cx="488949" cy="503994"/>
+          </a:xfrm>
+          <a:prstGeom prst="ellipse">
+            <a:avLst/>
+          </a:prstGeom>
+          <a:solidFill>
+            <a:srgbClr val="02AE2B"/>
+          </a:solidFill>
+          <a:ln>
+            <a:solidFill>
+              <a:srgbClr val="014B38"/>
+            </a:solidFill>
+          </a:ln>
+          <a:scene3d>
+            <a:camera prst="orthographicFront"/>
+            <a:lightRig rig="threePt" dir="t"/>
+          </a:scene3d>
+          <a:sp3d>
+            <a:bevelT w="152400" h="50800" prst="softRound"/>
+          </a:sp3d>
+        </p:spPr>
+        <p:style>
+          <a:lnRef idx="2">
+            <a:schemeClr val="accent1">
+              <a:shade val="50000"/>
+            </a:schemeClr>
+          </a:lnRef>
+          <a:fillRef idx="1">
+            <a:schemeClr val="accent1"/>
+          </a:fillRef>
+          <a:effectRef idx="0">
+            <a:schemeClr val="accent1"/>
+          </a:effectRef>
+          <a:fontRef idx="minor">
+            <a:schemeClr val="lt1"/>
+          </a:fontRef>
+        </p:style>
+        <p:txBody>
+          <a:bodyPr rtlCol="0" anchor="ctr"/>
+          <a:lstStyle/>
+          <a:p>
+            <a:pPr algn="ctr"/>
+            <a:endParaRPr lang="fr-FR"/>
+          </a:p>
+        </p:txBody>
+      </p:sp>
+      <p:sp>
+        <p:nvSpPr>
+          <p:cNvPr id="13" name="Espace réservé du contenu 9"/>
+          <p:cNvSpPr txBox="1">
+            <a:spLocks/>
+          </p:cNvSpPr>
+          <p:nvPr/>
+        </p:nvSpPr>
+        <p:spPr>
+          <a:xfrm>
+            <a:off x="558802" y="3426255"/>
+            <a:ext cx="6045198" cy="997486"/>
           </a:xfrm>
           <a:prstGeom prst="rect">
             <a:avLst/>
           </a:prstGeom>
-          <a:noFill/>
         </p:spPr>
         <p:txBody>
-          <a:bodyPr wrap="square" rtlCol="0" anchor="ctr">
-            <a:spAutoFit/>
+          <a:bodyPr vert="horz" lIns="91440" tIns="45720" rIns="91440" bIns="45720" rtlCol="0">
+            <a:noAutofit/>
           </a:bodyPr>
-          <a:lstStyle/>
-          <a:p>
-            <a:pPr algn="ctr"/>
-            <a:r>
-              <a:rPr lang="fr-FR" sz="41300" b="1" dirty="0">
+          <a:lstStyle>
+            <a:lvl1pPr marL="361950" indent="-361950" algn="l" defTabSz="756026" rtl="0" eaLnBrk="1" latinLnBrk="0" hangingPunct="1">
+              <a:lnSpc>
+                <a:spcPct val="200000"/>
+              </a:lnSpc>
+              <a:spcBef>
+                <a:spcPts val="827"/>
+              </a:spcBef>
+              <a:buSzPct val="120000"/>
+              <a:buFontTx/>
+              <a:buBlip>
+                <a:blip r:embed="rId3"/>
+              </a:buBlip>
+              <a:defRPr lang="fr-FR" sz="1800" strike="noStrike" kern="1200" spc="-1" dirty="0" smtClean="0">
                 <a:solidFill>
                   <a:schemeClr val="accent5">
-                    <a:lumMod val="20000"/>
-                    <a:lumOff val="80000"/>
+                    <a:lumMod val="50000"/>
                   </a:schemeClr>
                 </a:solidFill>
-                <a:latin typeface="Mangal" panose="02040503050203030202" pitchFamily="18" charset="0"/>
-                <a:cs typeface="Mangal" panose="02040503050203030202" pitchFamily="18" charset="0"/>
-              </a:rPr>
-              <a:t>?</a:t>
-            </a:r>
-          </a:p>
-        </p:txBody>
-      </p:sp>
-      <p:sp>
-        <p:nvSpPr>
-          <p:cNvPr id="9" name="Espace réservé du contenu 8"/>
-          <p:cNvSpPr>
-            <a:spLocks noGrp="1"/>
-          </p:cNvSpPr>
-          <p:nvPr>
-            <p:ph idx="1"/>
-          </p:nvPr>
-        </p:nvSpPr>
-        <p:spPr>
-          <a:xfrm>
-            <a:off x="3251200" y="3282414"/>
-            <a:ext cx="3606799" cy="845086"/>
-          </a:xfrm>
-          <a:solidFill>
-            <a:schemeClr val="accent5">
-              <a:lumMod val="50000"/>
-            </a:schemeClr>
-          </a:solidFill>
-        </p:spPr>
-        <p:txBody>
-          <a:bodyPr anchor="ctr"/>
-          <a:lstStyle/>
-          <a:p>
-            <a:pPr marL="0" indent="0" algn="ctr">
+                <a:uFill>
+                  <a:solidFill>
+                    <a:srgbClr val="FFFFFF"/>
+                  </a:solidFill>
+                </a:uFill>
+                <a:latin typeface="Leelawadee" panose="020B0502040204020203" pitchFamily="34" charset="-34"/>
+                <a:ea typeface="+mn-ea"/>
+                <a:cs typeface="Leelawadee" panose="020B0502040204020203" pitchFamily="34" charset="-34"/>
+              </a:defRPr>
+            </a:lvl1pPr>
+            <a:lvl2pPr marL="567019" indent="-189006" algn="l" defTabSz="756026" rtl="0" eaLnBrk="1" latinLnBrk="0" hangingPunct="1">
+              <a:lnSpc>
+                <a:spcPct val="90000"/>
+              </a:lnSpc>
+              <a:spcBef>
+                <a:spcPts val="413"/>
+              </a:spcBef>
+              <a:buFont typeface="Arial" panose="020B0604020202020204" pitchFamily="34" charset="0"/>
+              <a:buChar char="•"/>
+              <a:defRPr lang="fr-FR" sz="1800" strike="noStrike" kern="1200" spc="-1" dirty="0" smtClean="0">
+                <a:solidFill>
+                  <a:schemeClr val="accent5">
+                    <a:lumMod val="50000"/>
+                  </a:schemeClr>
+                </a:solidFill>
+                <a:uFill>
+                  <a:solidFill>
+                    <a:srgbClr val="FFFFFF"/>
+                  </a:solidFill>
+                </a:uFill>
+                <a:latin typeface="Leelawadee" panose="020B0502040204020203" pitchFamily="34" charset="-34"/>
+                <a:ea typeface="+mn-ea"/>
+                <a:cs typeface="Leelawadee" panose="020B0502040204020203" pitchFamily="34" charset="-34"/>
+              </a:defRPr>
+            </a:lvl2pPr>
+            <a:lvl3pPr marL="945032" indent="-189006" algn="l" defTabSz="756026" rtl="0" eaLnBrk="1" latinLnBrk="0" hangingPunct="1">
+              <a:lnSpc>
+                <a:spcPct val="90000"/>
+              </a:lnSpc>
+              <a:spcBef>
+                <a:spcPts val="413"/>
+              </a:spcBef>
+              <a:buFont typeface="Arial" panose="020B0604020202020204" pitchFamily="34" charset="0"/>
+              <a:buChar char="•"/>
+              <a:defRPr lang="fr-FR" sz="1800" strike="noStrike" kern="1200" spc="-1" dirty="0" smtClean="0">
+                <a:solidFill>
+                  <a:schemeClr val="accent5">
+                    <a:lumMod val="50000"/>
+                  </a:schemeClr>
+                </a:solidFill>
+                <a:uFill>
+                  <a:solidFill>
+                    <a:srgbClr val="FFFFFF"/>
+                  </a:solidFill>
+                </a:uFill>
+                <a:latin typeface="Leelawadee" panose="020B0502040204020203" pitchFamily="34" charset="-34"/>
+                <a:ea typeface="+mn-ea"/>
+                <a:cs typeface="Leelawadee" panose="020B0502040204020203" pitchFamily="34" charset="-34"/>
+              </a:defRPr>
+            </a:lvl3pPr>
+            <a:lvl4pPr marL="1323045" indent="-189006" algn="l" defTabSz="756026" rtl="0" eaLnBrk="1" latinLnBrk="0" hangingPunct="1">
+              <a:lnSpc>
+                <a:spcPct val="90000"/>
+              </a:lnSpc>
+              <a:spcBef>
+                <a:spcPts val="413"/>
+              </a:spcBef>
+              <a:buFont typeface="Arial" panose="020B0604020202020204" pitchFamily="34" charset="0"/>
+              <a:buChar char="•"/>
+              <a:defRPr lang="fr-FR" sz="1800" strike="noStrike" kern="1200" spc="-1" dirty="0" smtClean="0">
+                <a:solidFill>
+                  <a:schemeClr val="accent5">
+                    <a:lumMod val="50000"/>
+                  </a:schemeClr>
+                </a:solidFill>
+                <a:uFill>
+                  <a:solidFill>
+                    <a:srgbClr val="FFFFFF"/>
+                  </a:solidFill>
+                </a:uFill>
+                <a:latin typeface="Leelawadee" panose="020B0502040204020203" pitchFamily="34" charset="-34"/>
+                <a:ea typeface="+mn-ea"/>
+                <a:cs typeface="Leelawadee" panose="020B0502040204020203" pitchFamily="34" charset="-34"/>
+              </a:defRPr>
+            </a:lvl4pPr>
+            <a:lvl5pPr marL="1701058" indent="-189006" algn="l" defTabSz="756026" rtl="0" eaLnBrk="1" latinLnBrk="0" hangingPunct="1">
+              <a:lnSpc>
+                <a:spcPct val="90000"/>
+              </a:lnSpc>
+              <a:spcBef>
+                <a:spcPts val="413"/>
+              </a:spcBef>
+              <a:buFont typeface="Arial" panose="020B0604020202020204" pitchFamily="34" charset="0"/>
+              <a:buChar char="•"/>
+              <a:defRPr lang="fr-FR" sz="1800" strike="noStrike" kern="1200" spc="-1" dirty="0">
+                <a:solidFill>
+                  <a:schemeClr val="accent5">
+                    <a:lumMod val="50000"/>
+                  </a:schemeClr>
+                </a:solidFill>
+                <a:uFill>
+                  <a:solidFill>
+                    <a:srgbClr val="FFFFFF"/>
+                  </a:solidFill>
+                </a:uFill>
+                <a:latin typeface="Leelawadee" panose="020B0502040204020203" pitchFamily="34" charset="-34"/>
+                <a:ea typeface="+mn-ea"/>
+                <a:cs typeface="Leelawadee" panose="020B0502040204020203" pitchFamily="34" charset="-34"/>
+              </a:defRPr>
+            </a:lvl5pPr>
+            <a:lvl6pPr marL="2079071" indent="-189006" algn="l" defTabSz="756026" rtl="0" eaLnBrk="1" latinLnBrk="0" hangingPunct="1">
+              <a:lnSpc>
+                <a:spcPct val="90000"/>
+              </a:lnSpc>
+              <a:spcBef>
+                <a:spcPts val="413"/>
+              </a:spcBef>
+              <a:buFont typeface="Arial" panose="020B0604020202020204" pitchFamily="34" charset="0"/>
+              <a:buChar char="•"/>
+              <a:defRPr sz="1488" kern="1200">
+                <a:solidFill>
+                  <a:schemeClr val="tx1"/>
+                </a:solidFill>
+                <a:latin typeface="+mn-lt"/>
+                <a:ea typeface="+mn-ea"/>
+                <a:cs typeface="+mn-cs"/>
+              </a:defRPr>
+            </a:lvl6pPr>
+            <a:lvl7pPr marL="2457084" indent="-189006" algn="l" defTabSz="756026" rtl="0" eaLnBrk="1" latinLnBrk="0" hangingPunct="1">
+              <a:lnSpc>
+                <a:spcPct val="90000"/>
+              </a:lnSpc>
+              <a:spcBef>
+                <a:spcPts val="413"/>
+              </a:spcBef>
+              <a:buFont typeface="Arial" panose="020B0604020202020204" pitchFamily="34" charset="0"/>
+              <a:buChar char="•"/>
+              <a:defRPr sz="1488" kern="1200">
+                <a:solidFill>
+                  <a:schemeClr val="tx1"/>
+                </a:solidFill>
+                <a:latin typeface="+mn-lt"/>
+                <a:ea typeface="+mn-ea"/>
+                <a:cs typeface="+mn-cs"/>
+              </a:defRPr>
+            </a:lvl7pPr>
+            <a:lvl8pPr marL="2835097" indent="-189006" algn="l" defTabSz="756026" rtl="0" eaLnBrk="1" latinLnBrk="0" hangingPunct="1">
+              <a:lnSpc>
+                <a:spcPct val="90000"/>
+              </a:lnSpc>
+              <a:spcBef>
+                <a:spcPts val="413"/>
+              </a:spcBef>
+              <a:buFont typeface="Arial" panose="020B0604020202020204" pitchFamily="34" charset="0"/>
+              <a:buChar char="•"/>
+              <a:defRPr sz="1488" kern="1200">
+                <a:solidFill>
+                  <a:schemeClr val="tx1"/>
+                </a:solidFill>
+                <a:latin typeface="+mn-lt"/>
+                <a:ea typeface="+mn-ea"/>
+                <a:cs typeface="+mn-cs"/>
+              </a:defRPr>
+            </a:lvl8pPr>
+            <a:lvl9pPr marL="3213110" indent="-189006" algn="l" defTabSz="756026" rtl="0" eaLnBrk="1" latinLnBrk="0" hangingPunct="1">
+              <a:lnSpc>
+                <a:spcPct val="90000"/>
+              </a:lnSpc>
+              <a:spcBef>
+                <a:spcPts val="413"/>
+              </a:spcBef>
+              <a:buFont typeface="Arial" panose="020B0604020202020204" pitchFamily="34" charset="0"/>
+              <a:buChar char="•"/>
+              <a:defRPr sz="1488" kern="1200">
+                <a:solidFill>
+                  <a:schemeClr val="tx1"/>
+                </a:solidFill>
+                <a:latin typeface="+mn-lt"/>
+                <a:ea typeface="+mn-ea"/>
+                <a:cs typeface="+mn-cs"/>
+              </a:defRPr>
+            </a:lvl9pPr>
+          </a:lstStyle>
+          <a:p>
+            <a:pPr marL="342900" indent="-342900">
               <a:lnSpc>
                 <a:spcPct val="100000"/>
               </a:lnSpc>
-              <a:buNone/>
+              <a:buClr>
+                <a:srgbClr val="000000"/>
+              </a:buClr>
             </a:pPr>
             <a:r>
-              <a:rPr lang="fr-FR" dirty="0">
-                <a:solidFill>
-                  <a:schemeClr val="bg1"/>
-                </a:solidFill>
-              </a:rPr>
-              <a:t>Avez-vous des questions ?</a:t>
+              <a:rPr lang="fr-FR" sz="1600" dirty="0" smtClean="0"/>
+              <a:t>Ajouter une fonction « favoris » pour que l’utilisateur retrouve facilement ses packages et voit d’un coup les packages ayant un problème :</a:t>
+            </a:r>
+          </a:p>
+          <a:p>
+            <a:pPr lvl="1">
+              <a:lnSpc>
+                <a:spcPct val="110000"/>
+              </a:lnSpc>
+              <a:buClr>
+                <a:schemeClr val="accent5">
+                  <a:lumMod val="50000"/>
+                </a:schemeClr>
+              </a:buClr>
+            </a:pPr>
+            <a:r>
+              <a:rPr lang="fr-FR" sz="1600" dirty="0"/>
+              <a:t>Objectif </a:t>
+            </a:r>
+            <a:r>
+              <a:rPr lang="fr-FR" sz="1600" dirty="0" smtClean="0"/>
+              <a:t>partiellement atteint </a:t>
+            </a:r>
+            <a:r>
+              <a:rPr lang="fr-FR" sz="1600" dirty="0"/>
+              <a:t>: </a:t>
+            </a:r>
+            <a:r>
+              <a:rPr lang="fr-FR" sz="1600" dirty="0" smtClean="0"/>
+              <a:t>L’utilisateur peut enregistrer des packages en favoris et y accéder mais ne peut pas voir l’état des packages dans la page des favoris</a:t>
+            </a:r>
+            <a:endParaRPr lang="fr-FR" sz="1600" dirty="0"/>
+          </a:p>
+          <a:p>
+            <a:pPr marL="342900" indent="-342900">
+              <a:lnSpc>
+                <a:spcPct val="100000"/>
+              </a:lnSpc>
+              <a:buClr>
+                <a:srgbClr val="000000"/>
+              </a:buClr>
+            </a:pPr>
+            <a:endParaRPr lang="fr-FR" sz="1600" dirty="0" smtClean="0"/>
+          </a:p>
+          <a:p>
+            <a:pPr marL="342900" indent="-342900">
+              <a:lnSpc>
+                <a:spcPct val="100000"/>
+              </a:lnSpc>
+              <a:buClr>
+                <a:srgbClr val="000000"/>
+              </a:buClr>
+            </a:pPr>
+            <a:endParaRPr lang="fr-FR" sz="1600" dirty="0"/>
+          </a:p>
+        </p:txBody>
+      </p:sp>
+      <p:sp>
+        <p:nvSpPr>
+          <p:cNvPr id="12" name="Ellipse 11"/>
+          <p:cNvSpPr/>
+          <p:nvPr/>
+        </p:nvSpPr>
+        <p:spPr>
+          <a:xfrm>
+            <a:off x="6857998" y="3924998"/>
+            <a:ext cx="488949" cy="503994"/>
+          </a:xfrm>
+          <a:prstGeom prst="ellipse">
+            <a:avLst/>
+          </a:prstGeom>
+          <a:solidFill>
+            <a:srgbClr val="D49906"/>
+          </a:solidFill>
+          <a:ln>
+            <a:solidFill>
+              <a:srgbClr val="014B38"/>
+            </a:solidFill>
+          </a:ln>
+          <a:scene3d>
+            <a:camera prst="orthographicFront"/>
+            <a:lightRig rig="threePt" dir="t"/>
+          </a:scene3d>
+          <a:sp3d>
+            <a:bevelT w="152400" h="50800" prst="softRound"/>
+          </a:sp3d>
+        </p:spPr>
+        <p:style>
+          <a:lnRef idx="2">
+            <a:schemeClr val="accent1">
+              <a:shade val="50000"/>
+            </a:schemeClr>
+          </a:lnRef>
+          <a:fillRef idx="1">
+            <a:schemeClr val="accent1"/>
+          </a:fillRef>
+          <a:effectRef idx="0">
+            <a:schemeClr val="accent1"/>
+          </a:effectRef>
+          <a:fontRef idx="minor">
+            <a:schemeClr val="lt1"/>
+          </a:fontRef>
+        </p:style>
+        <p:txBody>
+          <a:bodyPr rtlCol="0" anchor="ctr"/>
+          <a:lstStyle/>
+          <a:p>
+            <a:pPr algn="ctr"/>
+            <a:endParaRPr lang="fr-FR"/>
+          </a:p>
+        </p:txBody>
+      </p:sp>
+    </p:spTree>
+    <p:extLst>
+      <p:ext uri="{BB962C8B-B14F-4D97-AF65-F5344CB8AC3E}">
+        <p14:creationId xmlns:p14="http://schemas.microsoft.com/office/powerpoint/2010/main" val="692747549"/>
+      </p:ext>
+    </p:extLst>
+  </p:cSld>
+  <p:clrMapOvr>
+    <a:masterClrMapping/>
+  </p:clrMapOvr>
+</p:sld>
+</file>
+
+<file path=ppt/slides/slide8.xml><?xml version="1.0" encoding="utf-8"?>
+<p:sld xmlns:a="http://schemas.openxmlformats.org/drawingml/2006/main" xmlns:r="http://schemas.openxmlformats.org/officeDocument/2006/relationships" xmlns:p="http://schemas.openxmlformats.org/presentationml/2006/main">
+  <p:cSld>
+    <p:spTree>
+      <p:nvGrpSpPr>
+        <p:cNvPr id="1" name=""/>
+        <p:cNvGrpSpPr/>
+        <p:nvPr/>
+      </p:nvGrpSpPr>
+      <p:grpSpPr>
+        <a:xfrm>
+          <a:off x="0" y="0"/>
+          <a:ext cx="0" cy="0"/>
+          <a:chOff x="0" y="0"/>
+          <a:chExt cx="0" cy="0"/>
+        </a:xfrm>
+      </p:grpSpPr>
+      <p:sp>
+        <p:nvSpPr>
+          <p:cNvPr id="2" name="Titre 1"/>
+          <p:cNvSpPr>
+            <a:spLocks noGrp="1"/>
+          </p:cNvSpPr>
+          <p:nvPr>
+            <p:ph type="title"/>
+          </p:nvPr>
+        </p:nvSpPr>
+        <p:spPr/>
+        <p:txBody>
+          <a:bodyPr>
+            <a:normAutofit fontScale="90000"/>
+          </a:bodyPr>
+          <a:lstStyle/>
+          <a:p>
+            <a:r>
+              <a:rPr lang="fr-FR" dirty="0" smtClean="0"/>
+              <a:t>	Les ajouts pour le forum</a:t>
+            </a:r>
+            <a:endParaRPr lang="fr-FR" dirty="0"/>
+          </a:p>
+        </p:txBody>
+      </p:sp>
+      <p:sp>
+        <p:nvSpPr>
+          <p:cNvPr id="3" name="Espace réservé du contenu 2"/>
+          <p:cNvSpPr>
+            <a:spLocks noGrp="1"/>
+          </p:cNvSpPr>
+          <p:nvPr>
+            <p:ph idx="1"/>
+          </p:nvPr>
+        </p:nvSpPr>
+        <p:spPr/>
+        <p:txBody>
+          <a:bodyPr/>
+          <a:lstStyle/>
+          <a:p>
+            <a:r>
+              <a:rPr lang="fr-FR" dirty="0" smtClean="0"/>
+              <a:t>Sur le graphe :</a:t>
+            </a:r>
+          </a:p>
+          <a:p>
+            <a:pPr lvl="1"/>
+            <a:r>
+              <a:rPr lang="fr-FR" dirty="0" smtClean="0"/>
+              <a:t>Modifier l’affichage des plateformes (ex : carré au lieu d’un rond)</a:t>
+            </a:r>
+          </a:p>
+          <a:p>
+            <a:pPr lvl="1"/>
+            <a:r>
+              <a:rPr lang="fr-FR" dirty="0" smtClean="0"/>
+              <a:t>Mettre les arêtes de couleur plutôt que les sommets</a:t>
+            </a:r>
+          </a:p>
+          <a:p>
+            <a:pPr lvl="1"/>
+            <a:r>
+              <a:rPr lang="fr-FR" dirty="0" smtClean="0"/>
+              <a:t>Augmenter la taille du package source</a:t>
+            </a:r>
+          </a:p>
+          <a:p>
+            <a:pPr lvl="1"/>
+            <a:endParaRPr lang="fr-FR" dirty="0"/>
+          </a:p>
+          <a:p>
+            <a:r>
+              <a:rPr lang="fr-FR" dirty="0" smtClean="0"/>
+              <a:t>Sur la page des packages favoris :</a:t>
+            </a:r>
+          </a:p>
+          <a:p>
+            <a:pPr lvl="1"/>
+            <a:r>
+              <a:rPr lang="fr-FR" dirty="0" smtClean="0"/>
+              <a:t>Ajouter les diodes de couleur selon l’état du package</a:t>
             </a:r>
           </a:p>
         </p:txBody>
@@ -4313,7 +6846,7 @@
             <a:fld id="{9905D2EB-A0C9-4269-BED7-F488BFFF1574}" type="datetime1">
               <a:rPr lang="fr-FR" smtClean="0"/>
               <a:pPr/>
-              <a:t>22/01/2017</a:t>
+              <a:t>23/01/2017</a:t>
             </a:fld>
             <a:endParaRPr lang="fr-FR" dirty="0"/>
           </a:p>
@@ -4335,12 +6868,8 @@
           <a:lstStyle/>
           <a:p>
             <a:r>
-              <a:rPr lang="fr-FR" dirty="0"/>
-              <a:t>Galt – PI S5 IL – Itération </a:t>
-            </a:r>
-            <a:r>
               <a:rPr lang="fr-FR" dirty="0" smtClean="0"/>
-              <a:t>3</a:t>
+              <a:t>Galt – PI S5 IL – Itération 3</a:t>
             </a:r>
             <a:endParaRPr lang="fr-FR" dirty="0"/>
           </a:p>
@@ -4364,7 +6893,7 @@
             <a:fld id="{CE35DAD6-85E4-415C-A280-4771D4FE3E59}" type="slidenum">
               <a:rPr lang="fr-FR" smtClean="0"/>
               <a:pPr/>
-              <a:t>5</a:t>
+              <a:t>8</a:t>
             </a:fld>
             <a:endParaRPr lang="fr-FR" dirty="0"/>
           </a:p>
@@ -4373,7 +6902,187 @@
     </p:spTree>
     <p:extLst>
       <p:ext uri="{BB962C8B-B14F-4D97-AF65-F5344CB8AC3E}">
-        <p14:creationId xmlns:p14="http://schemas.microsoft.com/office/powerpoint/2010/main" val="3134118039"/>
+        <p14:creationId xmlns:p14="http://schemas.microsoft.com/office/powerpoint/2010/main" val="473489162"/>
+      </p:ext>
+    </p:extLst>
+  </p:cSld>
+  <p:clrMapOvr>
+    <a:masterClrMapping/>
+  </p:clrMapOvr>
+</p:sld>
+</file>
+
+<file path=ppt/slides/slide9.xml><?xml version="1.0" encoding="utf-8"?>
+<p:sld xmlns:a="http://schemas.openxmlformats.org/drawingml/2006/main" xmlns:r="http://schemas.openxmlformats.org/officeDocument/2006/relationships" xmlns:p="http://schemas.openxmlformats.org/presentationml/2006/main">
+  <p:cSld>
+    <p:spTree>
+      <p:nvGrpSpPr>
+        <p:cNvPr id="1" name=""/>
+        <p:cNvGrpSpPr/>
+        <p:nvPr/>
+      </p:nvGrpSpPr>
+      <p:grpSpPr>
+        <a:xfrm>
+          <a:off x="0" y="0"/>
+          <a:ext cx="0" cy="0"/>
+          <a:chOff x="0" y="0"/>
+          <a:chExt cx="0" cy="0"/>
+        </a:xfrm>
+      </p:grpSpPr>
+      <p:sp>
+        <p:nvSpPr>
+          <p:cNvPr id="2" name="Titre 1"/>
+          <p:cNvSpPr>
+            <a:spLocks noGrp="1"/>
+          </p:cNvSpPr>
+          <p:nvPr>
+            <p:ph type="title"/>
+          </p:nvPr>
+        </p:nvSpPr>
+        <p:spPr/>
+        <p:txBody>
+          <a:bodyPr>
+            <a:normAutofit/>
+          </a:bodyPr>
+          <a:lstStyle/>
+          <a:p>
+            <a:r>
+              <a:rPr lang="fr-FR" sz="3200" dirty="0" smtClean="0"/>
+              <a:t>	Les améliorations éventuelles</a:t>
+            </a:r>
+            <a:endParaRPr lang="fr-FR" sz="3200" dirty="0"/>
+          </a:p>
+        </p:txBody>
+      </p:sp>
+      <p:sp>
+        <p:nvSpPr>
+          <p:cNvPr id="3" name="Espace réservé du contenu 2"/>
+          <p:cNvSpPr>
+            <a:spLocks noGrp="1"/>
+          </p:cNvSpPr>
+          <p:nvPr>
+            <p:ph idx="1"/>
+          </p:nvPr>
+        </p:nvSpPr>
+        <p:spPr/>
+        <p:txBody>
+          <a:bodyPr/>
+          <a:lstStyle/>
+          <a:p>
+            <a:r>
+              <a:rPr lang="fr-FR" dirty="0" smtClean="0"/>
+              <a:t>Etendre les packages à d’autres </a:t>
+            </a:r>
+            <a:r>
+              <a:rPr lang="fr-FR" dirty="0" err="1" smtClean="0"/>
+              <a:t>repositories</a:t>
+            </a:r>
+            <a:endParaRPr lang="fr-FR" dirty="0" smtClean="0"/>
+          </a:p>
+          <a:p>
+            <a:r>
+              <a:rPr lang="fr-FR" dirty="0" smtClean="0"/>
+              <a:t>Possibilité d’importer directement en favoris ses packages de GitHub</a:t>
+            </a:r>
+          </a:p>
+          <a:p>
+            <a:r>
+              <a:rPr lang="fr-FR" dirty="0" smtClean="0"/>
+              <a:t>Améliorations graphiques : graphe en plein écran…</a:t>
+            </a:r>
+          </a:p>
+          <a:p>
+            <a:r>
+              <a:rPr lang="fr-FR" dirty="0" smtClean="0"/>
+              <a:t>Ajouter les packages récemment consultés sur la page </a:t>
+            </a:r>
+            <a:r>
+              <a:rPr lang="fr-FR" dirty="0" err="1" smtClean="0"/>
+              <a:t>My</a:t>
+            </a:r>
+            <a:r>
+              <a:rPr lang="fr-FR" dirty="0" smtClean="0"/>
+              <a:t> Packages</a:t>
+            </a:r>
+            <a:endParaRPr lang="fr-FR" dirty="0"/>
+          </a:p>
+        </p:txBody>
+      </p:sp>
+      <p:sp>
+        <p:nvSpPr>
+          <p:cNvPr id="4" name="Espace réservé de la date 3"/>
+          <p:cNvSpPr>
+            <a:spLocks noGrp="1"/>
+          </p:cNvSpPr>
+          <p:nvPr>
+            <p:ph type="dt" sz="half" idx="10"/>
+          </p:nvPr>
+        </p:nvSpPr>
+        <p:spPr/>
+        <p:txBody>
+          <a:bodyPr/>
+          <a:lstStyle/>
+          <a:p>
+            <a:fld id="{9905D2EB-A0C9-4269-BED7-F488BFFF1574}" type="datetime1">
+              <a:rPr lang="fr-FR" smtClean="0"/>
+              <a:pPr/>
+              <a:t>23/01/2017</a:t>
+            </a:fld>
+            <a:endParaRPr lang="fr-FR" dirty="0"/>
+          </a:p>
+        </p:txBody>
+      </p:sp>
+      <p:sp>
+        <p:nvSpPr>
+          <p:cNvPr id="5" name="Espace réservé du pied de page 4"/>
+          <p:cNvSpPr>
+            <a:spLocks noGrp="1"/>
+          </p:cNvSpPr>
+          <p:nvPr>
+            <p:ph type="ftr" sz="quarter" idx="11"/>
+          </p:nvPr>
+        </p:nvSpPr>
+        <p:spPr/>
+        <p:txBody>
+          <a:bodyPr/>
+          <a:lstStyle/>
+          <a:p>
+            <a:r>
+              <a:rPr lang="fr-FR" dirty="0" smtClean="0"/>
+              <a:t>Galt – PI S5 IL – Itération 3</a:t>
+            </a:r>
+            <a:endParaRPr lang="fr-FR" dirty="0"/>
+          </a:p>
+        </p:txBody>
+      </p:sp>
+      <p:sp>
+        <p:nvSpPr>
+          <p:cNvPr id="6" name="Espace réservé du numéro de diapositive 5"/>
+          <p:cNvSpPr>
+            <a:spLocks noGrp="1"/>
+          </p:cNvSpPr>
+          <p:nvPr>
+            <p:ph type="sldNum" sz="quarter" idx="12"/>
+          </p:nvPr>
+        </p:nvSpPr>
+        <p:spPr/>
+        <p:txBody>
+          <a:bodyPr/>
+          <a:lstStyle/>
+          <a:p>
+            <a:fld id="{CE35DAD6-85E4-415C-A280-4771D4FE3E59}" type="slidenum">
+              <a:rPr lang="fr-FR" smtClean="0"/>
+              <a:pPr/>
+              <a:t>9</a:t>
+            </a:fld>
+            <a:endParaRPr lang="fr-FR" dirty="0"/>
+          </a:p>
+        </p:txBody>
+      </p:sp>
+    </p:spTree>
+    <p:extLst>
+      <p:ext uri="{BB962C8B-B14F-4D97-AF65-F5344CB8AC3E}">
+        <p14:creationId xmlns:p14="http://schemas.microsoft.com/office/powerpoint/2010/main" val="2425482694"/>
       </p:ext>
     </p:extLst>
   </p:cSld>
